--- a/03-h-Mn/Pictures/SpinStructE.pptx
+++ b/03-h-Mn/Pictures/SpinStructE.pptx
@@ -7,14 +7,14 @@
   <p:sldIdLst>
     <p:sldId id="256" r:id="rId2"/>
   </p:sldIdLst>
-  <p:sldSz cx="9144000" cy="6858000" type="screen4x3"/>
+  <p:sldSz cx="3960813" cy="4140200"/>
   <p:notesSz cx="6858000" cy="9144000"/>
   <p:defaultTextStyle>
     <a:defPPr>
       <a:defRPr lang="fr-FR"/>
     </a:defPPr>
-    <a:lvl1pPr marL="0" algn="l" defTabSz="914400" rtl="0" eaLnBrk="1" latinLnBrk="0" hangingPunct="1">
-      <a:defRPr sz="1800" kern="1200">
+    <a:lvl1pPr marL="0" algn="l" defTabSz="452504" rtl="0" eaLnBrk="1" latinLnBrk="0" hangingPunct="1">
+      <a:defRPr sz="900" kern="1200">
         <a:solidFill>
           <a:schemeClr val="tx1"/>
         </a:solidFill>
@@ -23,8 +23,8 @@
         <a:cs typeface="+mn-cs"/>
       </a:defRPr>
     </a:lvl1pPr>
-    <a:lvl2pPr marL="457200" algn="l" defTabSz="914400" rtl="0" eaLnBrk="1" latinLnBrk="0" hangingPunct="1">
-      <a:defRPr sz="1800" kern="1200">
+    <a:lvl2pPr marL="226252" algn="l" defTabSz="452504" rtl="0" eaLnBrk="1" latinLnBrk="0" hangingPunct="1">
+      <a:defRPr sz="900" kern="1200">
         <a:solidFill>
           <a:schemeClr val="tx1"/>
         </a:solidFill>
@@ -33,8 +33,8 @@
         <a:cs typeface="+mn-cs"/>
       </a:defRPr>
     </a:lvl2pPr>
-    <a:lvl3pPr marL="914400" algn="l" defTabSz="914400" rtl="0" eaLnBrk="1" latinLnBrk="0" hangingPunct="1">
-      <a:defRPr sz="1800" kern="1200">
+    <a:lvl3pPr marL="452504" algn="l" defTabSz="452504" rtl="0" eaLnBrk="1" latinLnBrk="0" hangingPunct="1">
+      <a:defRPr sz="900" kern="1200">
         <a:solidFill>
           <a:schemeClr val="tx1"/>
         </a:solidFill>
@@ -43,8 +43,8 @@
         <a:cs typeface="+mn-cs"/>
       </a:defRPr>
     </a:lvl3pPr>
-    <a:lvl4pPr marL="1371600" algn="l" defTabSz="914400" rtl="0" eaLnBrk="1" latinLnBrk="0" hangingPunct="1">
-      <a:defRPr sz="1800" kern="1200">
+    <a:lvl4pPr marL="678757" algn="l" defTabSz="452504" rtl="0" eaLnBrk="1" latinLnBrk="0" hangingPunct="1">
+      <a:defRPr sz="900" kern="1200">
         <a:solidFill>
           <a:schemeClr val="tx1"/>
         </a:solidFill>
@@ -53,8 +53,8 @@
         <a:cs typeface="+mn-cs"/>
       </a:defRPr>
     </a:lvl4pPr>
-    <a:lvl5pPr marL="1828800" algn="l" defTabSz="914400" rtl="0" eaLnBrk="1" latinLnBrk="0" hangingPunct="1">
-      <a:defRPr sz="1800" kern="1200">
+    <a:lvl5pPr marL="905009" algn="l" defTabSz="452504" rtl="0" eaLnBrk="1" latinLnBrk="0" hangingPunct="1">
+      <a:defRPr sz="900" kern="1200">
         <a:solidFill>
           <a:schemeClr val="tx1"/>
         </a:solidFill>
@@ -63,8 +63,8 @@
         <a:cs typeface="+mn-cs"/>
       </a:defRPr>
     </a:lvl5pPr>
-    <a:lvl6pPr marL="2286000" algn="l" defTabSz="914400" rtl="0" eaLnBrk="1" latinLnBrk="0" hangingPunct="1">
-      <a:defRPr sz="1800" kern="1200">
+    <a:lvl6pPr marL="1131261" algn="l" defTabSz="452504" rtl="0" eaLnBrk="1" latinLnBrk="0" hangingPunct="1">
+      <a:defRPr sz="900" kern="1200">
         <a:solidFill>
           <a:schemeClr val="tx1"/>
         </a:solidFill>
@@ -73,8 +73,8 @@
         <a:cs typeface="+mn-cs"/>
       </a:defRPr>
     </a:lvl6pPr>
-    <a:lvl7pPr marL="2743200" algn="l" defTabSz="914400" rtl="0" eaLnBrk="1" latinLnBrk="0" hangingPunct="1">
-      <a:defRPr sz="1800" kern="1200">
+    <a:lvl7pPr marL="1357514" algn="l" defTabSz="452504" rtl="0" eaLnBrk="1" latinLnBrk="0" hangingPunct="1">
+      <a:defRPr sz="900" kern="1200">
         <a:solidFill>
           <a:schemeClr val="tx1"/>
         </a:solidFill>
@@ -83,8 +83,8 @@
         <a:cs typeface="+mn-cs"/>
       </a:defRPr>
     </a:lvl7pPr>
-    <a:lvl8pPr marL="3200400" algn="l" defTabSz="914400" rtl="0" eaLnBrk="1" latinLnBrk="0" hangingPunct="1">
-      <a:defRPr sz="1800" kern="1200">
+    <a:lvl8pPr marL="1583766" algn="l" defTabSz="452504" rtl="0" eaLnBrk="1" latinLnBrk="0" hangingPunct="1">
+      <a:defRPr sz="900" kern="1200">
         <a:solidFill>
           <a:schemeClr val="tx1"/>
         </a:solidFill>
@@ -93,8 +93,8 @@
         <a:cs typeface="+mn-cs"/>
       </a:defRPr>
     </a:lvl8pPr>
-    <a:lvl9pPr marL="3657600" algn="l" defTabSz="914400" rtl="0" eaLnBrk="1" latinLnBrk="0" hangingPunct="1">
-      <a:defRPr sz="1800" kern="1200">
+    <a:lvl9pPr marL="1810018" algn="l" defTabSz="452504" rtl="0" eaLnBrk="1" latinLnBrk="0" hangingPunct="1">
+      <a:defRPr sz="900" kern="1200">
         <a:solidFill>
           <a:schemeClr val="tx1"/>
         </a:solidFill>
@@ -136,8 +136,8 @@
         </p:nvSpPr>
         <p:spPr>
           <a:xfrm>
-            <a:off x="685800" y="2130425"/>
-            <a:ext cx="7772400" cy="1470025"/>
+            <a:off x="297064" y="1286147"/>
+            <a:ext cx="3366691" cy="887460"/>
           </a:xfrm>
         </p:spPr>
         <p:txBody>
@@ -164,8 +164,8 @@
         </p:nvSpPr>
         <p:spPr>
           <a:xfrm>
-            <a:off x="1371600" y="3886200"/>
-            <a:ext cx="6400800" cy="1752600"/>
+            <a:off x="594124" y="2346115"/>
+            <a:ext cx="2772570" cy="1058051"/>
           </a:xfrm>
         </p:spPr>
         <p:txBody>
@@ -181,7 +181,7 @@
                 </a:solidFill>
               </a:defRPr>
             </a:lvl1pPr>
-            <a:lvl2pPr marL="457200" indent="0" algn="ctr">
+            <a:lvl2pPr marL="226252" indent="0" algn="ctr">
               <a:buNone/>
               <a:defRPr>
                 <a:solidFill>
@@ -191,7 +191,7 @@
                 </a:solidFill>
               </a:defRPr>
             </a:lvl2pPr>
-            <a:lvl3pPr marL="914400" indent="0" algn="ctr">
+            <a:lvl3pPr marL="452504" indent="0" algn="ctr">
               <a:buNone/>
               <a:defRPr>
                 <a:solidFill>
@@ -201,7 +201,7 @@
                 </a:solidFill>
               </a:defRPr>
             </a:lvl3pPr>
-            <a:lvl4pPr marL="1371600" indent="0" algn="ctr">
+            <a:lvl4pPr marL="678757" indent="0" algn="ctr">
               <a:buNone/>
               <a:defRPr>
                 <a:solidFill>
@@ -211,7 +211,7 @@
                 </a:solidFill>
               </a:defRPr>
             </a:lvl4pPr>
-            <a:lvl5pPr marL="1828800" indent="0" algn="ctr">
+            <a:lvl5pPr marL="905009" indent="0" algn="ctr">
               <a:buNone/>
               <a:defRPr>
                 <a:solidFill>
@@ -221,7 +221,7 @@
                 </a:solidFill>
               </a:defRPr>
             </a:lvl5pPr>
-            <a:lvl6pPr marL="2286000" indent="0" algn="ctr">
+            <a:lvl6pPr marL="1131261" indent="0" algn="ctr">
               <a:buNone/>
               <a:defRPr>
                 <a:solidFill>
@@ -231,7 +231,7 @@
                 </a:solidFill>
               </a:defRPr>
             </a:lvl6pPr>
-            <a:lvl7pPr marL="2743200" indent="0" algn="ctr">
+            <a:lvl7pPr marL="1357514" indent="0" algn="ctr">
               <a:buNone/>
               <a:defRPr>
                 <a:solidFill>
@@ -241,7 +241,7 @@
                 </a:solidFill>
               </a:defRPr>
             </a:lvl7pPr>
-            <a:lvl8pPr marL="3200400" indent="0" algn="ctr">
+            <a:lvl8pPr marL="1583766" indent="0" algn="ctr">
               <a:buNone/>
               <a:defRPr>
                 <a:solidFill>
@@ -251,7 +251,7 @@
                 </a:solidFill>
               </a:defRPr>
             </a:lvl8pPr>
-            <a:lvl9pPr marL="3657600" indent="0" algn="ctr">
+            <a:lvl9pPr marL="1810018" indent="0" algn="ctr">
               <a:buNone/>
               <a:defRPr>
                 <a:solidFill>
@@ -288,7 +288,7 @@
           <a:p>
             <a:fld id="{E33565EF-4A01-45A7-A583-43ECF94838BA}" type="datetimeFigureOut">
               <a:rPr lang="fr-FR" smtClean="0"/>
-              <a:t>11/07/2017</a:t>
+              <a:t>12/07/2017</a:t>
             </a:fld>
             <a:endParaRPr lang="fr-FR"/>
           </a:p>
@@ -458,7 +458,7 @@
           <a:p>
             <a:fld id="{E33565EF-4A01-45A7-A583-43ECF94838BA}" type="datetimeFigureOut">
               <a:rPr lang="fr-FR" smtClean="0"/>
-              <a:t>11/07/2017</a:t>
+              <a:t>12/07/2017</a:t>
             </a:fld>
             <a:endParaRPr lang="fr-FR"/>
           </a:p>
@@ -548,8 +548,8 @@
         </p:nvSpPr>
         <p:spPr>
           <a:xfrm>
-            <a:off x="6629400" y="274638"/>
-            <a:ext cx="2057400" cy="5851525"/>
+            <a:off x="2871591" y="165803"/>
+            <a:ext cx="891183" cy="3532587"/>
           </a:xfrm>
         </p:spPr>
         <p:txBody>
@@ -576,8 +576,8 @@
         </p:nvSpPr>
         <p:spPr>
           <a:xfrm>
-            <a:off x="457200" y="274638"/>
-            <a:ext cx="6019800" cy="5851525"/>
+            <a:off x="198043" y="165803"/>
+            <a:ext cx="2607535" cy="3532587"/>
           </a:xfrm>
         </p:spPr>
         <p:txBody>
@@ -638,7 +638,7 @@
           <a:p>
             <a:fld id="{E33565EF-4A01-45A7-A583-43ECF94838BA}" type="datetimeFigureOut">
               <a:rPr lang="fr-FR" smtClean="0"/>
-              <a:t>11/07/2017</a:t>
+              <a:t>12/07/2017</a:t>
             </a:fld>
             <a:endParaRPr lang="fr-FR"/>
           </a:p>
@@ -808,7 +808,7 @@
           <a:p>
             <a:fld id="{E33565EF-4A01-45A7-A583-43ECF94838BA}" type="datetimeFigureOut">
               <a:rPr lang="fr-FR" smtClean="0"/>
-              <a:t>11/07/2017</a:t>
+              <a:t>12/07/2017</a:t>
             </a:fld>
             <a:endParaRPr lang="fr-FR"/>
           </a:p>
@@ -898,15 +898,15 @@
         </p:nvSpPr>
         <p:spPr>
           <a:xfrm>
-            <a:off x="722313" y="4406900"/>
-            <a:ext cx="7772400" cy="1362075"/>
+            <a:off x="312879" y="2660464"/>
+            <a:ext cx="3366691" cy="822289"/>
           </a:xfrm>
         </p:spPr>
         <p:txBody>
           <a:bodyPr anchor="t"/>
           <a:lstStyle>
             <a:lvl1pPr algn="l">
-              <a:defRPr sz="4000" b="1" cap="all"/>
+              <a:defRPr sz="2000" b="1" cap="all"/>
             </a:lvl1pPr>
           </a:lstStyle>
           <a:p>
@@ -930,8 +930,8 @@
         </p:nvSpPr>
         <p:spPr>
           <a:xfrm>
-            <a:off x="722313" y="2906713"/>
-            <a:ext cx="7772400" cy="1500187"/>
+            <a:off x="312879" y="1754795"/>
+            <a:ext cx="3366691" cy="905669"/>
           </a:xfrm>
         </p:spPr>
         <p:txBody>
@@ -939,7 +939,7 @@
           <a:lstStyle>
             <a:lvl1pPr marL="0" indent="0">
               <a:buNone/>
-              <a:defRPr sz="2000">
+              <a:defRPr sz="1000">
                 <a:solidFill>
                   <a:schemeClr val="tx1">
                     <a:tint val="75000"/>
@@ -947,9 +947,9 @@
                 </a:solidFill>
               </a:defRPr>
             </a:lvl1pPr>
-            <a:lvl2pPr marL="457200" indent="0">
+            <a:lvl2pPr marL="226252" indent="0">
               <a:buNone/>
-              <a:defRPr sz="1800">
+              <a:defRPr sz="900">
                 <a:solidFill>
                   <a:schemeClr val="tx1">
                     <a:tint val="75000"/>
@@ -957,9 +957,9 @@
                 </a:solidFill>
               </a:defRPr>
             </a:lvl2pPr>
-            <a:lvl3pPr marL="914400" indent="0">
+            <a:lvl3pPr marL="452504" indent="0">
               <a:buNone/>
-              <a:defRPr sz="1600">
+              <a:defRPr sz="800">
                 <a:solidFill>
                   <a:schemeClr val="tx1">
                     <a:tint val="75000"/>
@@ -967,9 +967,9 @@
                 </a:solidFill>
               </a:defRPr>
             </a:lvl3pPr>
-            <a:lvl4pPr marL="1371600" indent="0">
+            <a:lvl4pPr marL="678757" indent="0">
               <a:buNone/>
-              <a:defRPr sz="1400">
+              <a:defRPr sz="600">
                 <a:solidFill>
                   <a:schemeClr val="tx1">
                     <a:tint val="75000"/>
@@ -977,9 +977,9 @@
                 </a:solidFill>
               </a:defRPr>
             </a:lvl4pPr>
-            <a:lvl5pPr marL="1828800" indent="0">
+            <a:lvl5pPr marL="905009" indent="0">
               <a:buNone/>
-              <a:defRPr sz="1400">
+              <a:defRPr sz="600">
                 <a:solidFill>
                   <a:schemeClr val="tx1">
                     <a:tint val="75000"/>
@@ -987,9 +987,9 @@
                 </a:solidFill>
               </a:defRPr>
             </a:lvl5pPr>
-            <a:lvl6pPr marL="2286000" indent="0">
+            <a:lvl6pPr marL="1131261" indent="0">
               <a:buNone/>
-              <a:defRPr sz="1400">
+              <a:defRPr sz="600">
                 <a:solidFill>
                   <a:schemeClr val="tx1">
                     <a:tint val="75000"/>
@@ -997,9 +997,9 @@
                 </a:solidFill>
               </a:defRPr>
             </a:lvl6pPr>
-            <a:lvl7pPr marL="2743200" indent="0">
+            <a:lvl7pPr marL="1357514" indent="0">
               <a:buNone/>
-              <a:defRPr sz="1400">
+              <a:defRPr sz="600">
                 <a:solidFill>
                   <a:schemeClr val="tx1">
                     <a:tint val="75000"/>
@@ -1007,9 +1007,9 @@
                 </a:solidFill>
               </a:defRPr>
             </a:lvl7pPr>
-            <a:lvl8pPr marL="3200400" indent="0">
+            <a:lvl8pPr marL="1583766" indent="0">
               <a:buNone/>
-              <a:defRPr sz="1400">
+              <a:defRPr sz="600">
                 <a:solidFill>
                   <a:schemeClr val="tx1">
                     <a:tint val="75000"/>
@@ -1017,9 +1017,9 @@
                 </a:solidFill>
               </a:defRPr>
             </a:lvl8pPr>
-            <a:lvl9pPr marL="3657600" indent="0">
+            <a:lvl9pPr marL="1810018" indent="0">
               <a:buNone/>
-              <a:defRPr sz="1400">
+              <a:defRPr sz="600">
                 <a:solidFill>
                   <a:schemeClr val="tx1">
                     <a:tint val="75000"/>
@@ -1054,7 +1054,7 @@
           <a:p>
             <a:fld id="{E33565EF-4A01-45A7-A583-43ECF94838BA}" type="datetimeFigureOut">
               <a:rPr lang="fr-FR" smtClean="0"/>
-              <a:t>11/07/2017</a:t>
+              <a:t>12/07/2017</a:t>
             </a:fld>
             <a:endParaRPr lang="fr-FR"/>
           </a:p>
@@ -1167,39 +1167,39 @@
         </p:nvSpPr>
         <p:spPr>
           <a:xfrm>
-            <a:off x="457200" y="1600200"/>
-            <a:ext cx="4038600" cy="4525963"/>
+            <a:off x="198043" y="966048"/>
+            <a:ext cx="1749359" cy="2732341"/>
           </a:xfrm>
         </p:spPr>
         <p:txBody>
           <a:bodyPr/>
           <a:lstStyle>
             <a:lvl1pPr>
-              <a:defRPr sz="2800"/>
+              <a:defRPr sz="1500"/>
             </a:lvl1pPr>
             <a:lvl2pPr>
-              <a:defRPr sz="2400"/>
+              <a:defRPr sz="1200"/>
             </a:lvl2pPr>
             <a:lvl3pPr>
-              <a:defRPr sz="2000"/>
+              <a:defRPr sz="1000"/>
             </a:lvl3pPr>
             <a:lvl4pPr>
-              <a:defRPr sz="1800"/>
+              <a:defRPr sz="900"/>
             </a:lvl4pPr>
             <a:lvl5pPr>
-              <a:defRPr sz="1800"/>
+              <a:defRPr sz="900"/>
             </a:lvl5pPr>
             <a:lvl6pPr>
-              <a:defRPr sz="1800"/>
+              <a:defRPr sz="900"/>
             </a:lvl6pPr>
             <a:lvl7pPr>
-              <a:defRPr sz="1800"/>
+              <a:defRPr sz="900"/>
             </a:lvl7pPr>
             <a:lvl8pPr>
-              <a:defRPr sz="1800"/>
+              <a:defRPr sz="900"/>
             </a:lvl8pPr>
             <a:lvl9pPr>
-              <a:defRPr sz="1800"/>
+              <a:defRPr sz="900"/>
             </a:lvl9pPr>
           </a:lstStyle>
           <a:p>
@@ -1252,39 +1252,39 @@
         </p:nvSpPr>
         <p:spPr>
           <a:xfrm>
-            <a:off x="4648200" y="1600200"/>
-            <a:ext cx="4038600" cy="4525963"/>
+            <a:off x="2013417" y="966048"/>
+            <a:ext cx="1749359" cy="2732341"/>
           </a:xfrm>
         </p:spPr>
         <p:txBody>
           <a:bodyPr/>
           <a:lstStyle>
             <a:lvl1pPr>
-              <a:defRPr sz="2800"/>
+              <a:defRPr sz="1500"/>
             </a:lvl1pPr>
             <a:lvl2pPr>
-              <a:defRPr sz="2400"/>
+              <a:defRPr sz="1200"/>
             </a:lvl2pPr>
             <a:lvl3pPr>
-              <a:defRPr sz="2000"/>
+              <a:defRPr sz="1000"/>
             </a:lvl3pPr>
             <a:lvl4pPr>
-              <a:defRPr sz="1800"/>
+              <a:defRPr sz="900"/>
             </a:lvl4pPr>
             <a:lvl5pPr>
-              <a:defRPr sz="1800"/>
+              <a:defRPr sz="900"/>
             </a:lvl5pPr>
             <a:lvl6pPr>
-              <a:defRPr sz="1800"/>
+              <a:defRPr sz="900"/>
             </a:lvl6pPr>
             <a:lvl7pPr>
-              <a:defRPr sz="1800"/>
+              <a:defRPr sz="900"/>
             </a:lvl7pPr>
             <a:lvl8pPr>
-              <a:defRPr sz="1800"/>
+              <a:defRPr sz="900"/>
             </a:lvl8pPr>
             <a:lvl9pPr>
-              <a:defRPr sz="1800"/>
+              <a:defRPr sz="900"/>
             </a:lvl9pPr>
           </a:lstStyle>
           <a:p>
@@ -1342,7 +1342,7 @@
           <a:p>
             <a:fld id="{E33565EF-4A01-45A7-A583-43ECF94838BA}" type="datetimeFigureOut">
               <a:rPr lang="fr-FR" smtClean="0"/>
-              <a:t>11/07/2017</a:t>
+              <a:t>12/07/2017</a:t>
             </a:fld>
             <a:endParaRPr lang="fr-FR"/>
           </a:p>
@@ -1459,8 +1459,8 @@
         </p:nvSpPr>
         <p:spPr>
           <a:xfrm>
-            <a:off x="457200" y="1535113"/>
-            <a:ext cx="4040188" cy="639762"/>
+            <a:off x="198043" y="926754"/>
+            <a:ext cx="1750047" cy="386226"/>
           </a:xfrm>
         </p:spPr>
         <p:txBody>
@@ -1468,39 +1468,39 @@
           <a:lstStyle>
             <a:lvl1pPr marL="0" indent="0">
               <a:buNone/>
-              <a:defRPr sz="2400" b="1"/>
+              <a:defRPr sz="1200" b="1"/>
             </a:lvl1pPr>
-            <a:lvl2pPr marL="457200" indent="0">
+            <a:lvl2pPr marL="226252" indent="0">
               <a:buNone/>
-              <a:defRPr sz="2000" b="1"/>
+              <a:defRPr sz="1000" b="1"/>
             </a:lvl2pPr>
-            <a:lvl3pPr marL="914400" indent="0">
+            <a:lvl3pPr marL="452504" indent="0">
               <a:buNone/>
-              <a:defRPr sz="1800" b="1"/>
+              <a:defRPr sz="900" b="1"/>
             </a:lvl3pPr>
-            <a:lvl4pPr marL="1371600" indent="0">
+            <a:lvl4pPr marL="678757" indent="0">
               <a:buNone/>
-              <a:defRPr sz="1600" b="1"/>
+              <a:defRPr sz="800" b="1"/>
             </a:lvl4pPr>
-            <a:lvl5pPr marL="1828800" indent="0">
+            <a:lvl5pPr marL="905009" indent="0">
               <a:buNone/>
-              <a:defRPr sz="1600" b="1"/>
+              <a:defRPr sz="800" b="1"/>
             </a:lvl5pPr>
-            <a:lvl6pPr marL="2286000" indent="0">
+            <a:lvl6pPr marL="1131261" indent="0">
               <a:buNone/>
-              <a:defRPr sz="1600" b="1"/>
+              <a:defRPr sz="800" b="1"/>
             </a:lvl6pPr>
-            <a:lvl7pPr marL="2743200" indent="0">
+            <a:lvl7pPr marL="1357514" indent="0">
               <a:buNone/>
-              <a:defRPr sz="1600" b="1"/>
+              <a:defRPr sz="800" b="1"/>
             </a:lvl7pPr>
-            <a:lvl8pPr marL="3200400" indent="0">
+            <a:lvl8pPr marL="1583766" indent="0">
               <a:buNone/>
-              <a:defRPr sz="1600" b="1"/>
+              <a:defRPr sz="800" b="1"/>
             </a:lvl8pPr>
-            <a:lvl9pPr marL="3657600" indent="0">
+            <a:lvl9pPr marL="1810018" indent="0">
               <a:buNone/>
-              <a:defRPr sz="1600" b="1"/>
+              <a:defRPr sz="800" b="1"/>
             </a:lvl9pPr>
           </a:lstStyle>
           <a:p>
@@ -1524,39 +1524,39 @@
         </p:nvSpPr>
         <p:spPr>
           <a:xfrm>
-            <a:off x="457200" y="2174875"/>
-            <a:ext cx="4040188" cy="3951288"/>
+            <a:off x="198043" y="1312981"/>
+            <a:ext cx="1750047" cy="2385407"/>
           </a:xfrm>
         </p:spPr>
         <p:txBody>
           <a:bodyPr/>
           <a:lstStyle>
             <a:lvl1pPr>
-              <a:defRPr sz="2400"/>
+              <a:defRPr sz="1200"/>
             </a:lvl1pPr>
             <a:lvl2pPr>
-              <a:defRPr sz="2000"/>
+              <a:defRPr sz="1000"/>
             </a:lvl2pPr>
             <a:lvl3pPr>
-              <a:defRPr sz="1800"/>
+              <a:defRPr sz="900"/>
             </a:lvl3pPr>
             <a:lvl4pPr>
-              <a:defRPr sz="1600"/>
+              <a:defRPr sz="800"/>
             </a:lvl4pPr>
             <a:lvl5pPr>
-              <a:defRPr sz="1600"/>
+              <a:defRPr sz="800"/>
             </a:lvl5pPr>
             <a:lvl6pPr>
-              <a:defRPr sz="1600"/>
+              <a:defRPr sz="800"/>
             </a:lvl6pPr>
             <a:lvl7pPr>
-              <a:defRPr sz="1600"/>
+              <a:defRPr sz="800"/>
             </a:lvl7pPr>
             <a:lvl8pPr>
-              <a:defRPr sz="1600"/>
+              <a:defRPr sz="800"/>
             </a:lvl8pPr>
             <a:lvl9pPr>
-              <a:defRPr sz="1600"/>
+              <a:defRPr sz="800"/>
             </a:lvl9pPr>
           </a:lstStyle>
           <a:p>
@@ -1609,8 +1609,8 @@
         </p:nvSpPr>
         <p:spPr>
           <a:xfrm>
-            <a:off x="4645025" y="1535113"/>
-            <a:ext cx="4041775" cy="639762"/>
+            <a:off x="2012040" y="926754"/>
+            <a:ext cx="1750734" cy="386226"/>
           </a:xfrm>
         </p:spPr>
         <p:txBody>
@@ -1618,39 +1618,39 @@
           <a:lstStyle>
             <a:lvl1pPr marL="0" indent="0">
               <a:buNone/>
-              <a:defRPr sz="2400" b="1"/>
+              <a:defRPr sz="1200" b="1"/>
             </a:lvl1pPr>
-            <a:lvl2pPr marL="457200" indent="0">
+            <a:lvl2pPr marL="226252" indent="0">
               <a:buNone/>
-              <a:defRPr sz="2000" b="1"/>
+              <a:defRPr sz="1000" b="1"/>
             </a:lvl2pPr>
-            <a:lvl3pPr marL="914400" indent="0">
+            <a:lvl3pPr marL="452504" indent="0">
               <a:buNone/>
-              <a:defRPr sz="1800" b="1"/>
+              <a:defRPr sz="900" b="1"/>
             </a:lvl3pPr>
-            <a:lvl4pPr marL="1371600" indent="0">
+            <a:lvl4pPr marL="678757" indent="0">
               <a:buNone/>
-              <a:defRPr sz="1600" b="1"/>
+              <a:defRPr sz="800" b="1"/>
             </a:lvl4pPr>
-            <a:lvl5pPr marL="1828800" indent="0">
+            <a:lvl5pPr marL="905009" indent="0">
               <a:buNone/>
-              <a:defRPr sz="1600" b="1"/>
+              <a:defRPr sz="800" b="1"/>
             </a:lvl5pPr>
-            <a:lvl6pPr marL="2286000" indent="0">
+            <a:lvl6pPr marL="1131261" indent="0">
               <a:buNone/>
-              <a:defRPr sz="1600" b="1"/>
+              <a:defRPr sz="800" b="1"/>
             </a:lvl6pPr>
-            <a:lvl7pPr marL="2743200" indent="0">
+            <a:lvl7pPr marL="1357514" indent="0">
               <a:buNone/>
-              <a:defRPr sz="1600" b="1"/>
+              <a:defRPr sz="800" b="1"/>
             </a:lvl7pPr>
-            <a:lvl8pPr marL="3200400" indent="0">
+            <a:lvl8pPr marL="1583766" indent="0">
               <a:buNone/>
-              <a:defRPr sz="1600" b="1"/>
+              <a:defRPr sz="800" b="1"/>
             </a:lvl8pPr>
-            <a:lvl9pPr marL="3657600" indent="0">
+            <a:lvl9pPr marL="1810018" indent="0">
               <a:buNone/>
-              <a:defRPr sz="1600" b="1"/>
+              <a:defRPr sz="800" b="1"/>
             </a:lvl9pPr>
           </a:lstStyle>
           <a:p>
@@ -1674,39 +1674,39 @@
         </p:nvSpPr>
         <p:spPr>
           <a:xfrm>
-            <a:off x="4645025" y="2174875"/>
-            <a:ext cx="4041775" cy="3951288"/>
+            <a:off x="2012040" y="1312981"/>
+            <a:ext cx="1750734" cy="2385407"/>
           </a:xfrm>
         </p:spPr>
         <p:txBody>
           <a:bodyPr/>
           <a:lstStyle>
             <a:lvl1pPr>
-              <a:defRPr sz="2400"/>
+              <a:defRPr sz="1200"/>
             </a:lvl1pPr>
             <a:lvl2pPr>
-              <a:defRPr sz="2000"/>
+              <a:defRPr sz="1000"/>
             </a:lvl2pPr>
             <a:lvl3pPr>
-              <a:defRPr sz="1800"/>
+              <a:defRPr sz="900"/>
             </a:lvl3pPr>
             <a:lvl4pPr>
-              <a:defRPr sz="1600"/>
+              <a:defRPr sz="800"/>
             </a:lvl4pPr>
             <a:lvl5pPr>
-              <a:defRPr sz="1600"/>
+              <a:defRPr sz="800"/>
             </a:lvl5pPr>
             <a:lvl6pPr>
-              <a:defRPr sz="1600"/>
+              <a:defRPr sz="800"/>
             </a:lvl6pPr>
             <a:lvl7pPr>
-              <a:defRPr sz="1600"/>
+              <a:defRPr sz="800"/>
             </a:lvl7pPr>
             <a:lvl8pPr>
-              <a:defRPr sz="1600"/>
+              <a:defRPr sz="800"/>
             </a:lvl8pPr>
             <a:lvl9pPr>
-              <a:defRPr sz="1600"/>
+              <a:defRPr sz="800"/>
             </a:lvl9pPr>
           </a:lstStyle>
           <a:p>
@@ -1764,7 +1764,7 @@
           <a:p>
             <a:fld id="{E33565EF-4A01-45A7-A583-43ECF94838BA}" type="datetimeFigureOut">
               <a:rPr lang="fr-FR" smtClean="0"/>
-              <a:t>11/07/2017</a:t>
+              <a:t>12/07/2017</a:t>
             </a:fld>
             <a:endParaRPr lang="fr-FR"/>
           </a:p>
@@ -1882,7 +1882,7 @@
           <a:p>
             <a:fld id="{E33565EF-4A01-45A7-A583-43ECF94838BA}" type="datetimeFigureOut">
               <a:rPr lang="fr-FR" smtClean="0"/>
-              <a:t>11/07/2017</a:t>
+              <a:t>12/07/2017</a:t>
             </a:fld>
             <a:endParaRPr lang="fr-FR"/>
           </a:p>
@@ -1977,7 +1977,7 @@
           <a:p>
             <a:fld id="{E33565EF-4A01-45A7-A583-43ECF94838BA}" type="datetimeFigureOut">
               <a:rPr lang="fr-FR" smtClean="0"/>
-              <a:t>11/07/2017</a:t>
+              <a:t>12/07/2017</a:t>
             </a:fld>
             <a:endParaRPr lang="fr-FR"/>
           </a:p>
@@ -2067,15 +2067,15 @@
         </p:nvSpPr>
         <p:spPr>
           <a:xfrm>
-            <a:off x="457200" y="273050"/>
-            <a:ext cx="3008313" cy="1162050"/>
+            <a:off x="198043" y="164841"/>
+            <a:ext cx="1303079" cy="701534"/>
           </a:xfrm>
         </p:spPr>
         <p:txBody>
           <a:bodyPr anchor="b"/>
           <a:lstStyle>
             <a:lvl1pPr algn="l">
-              <a:defRPr sz="2000" b="1"/>
+              <a:defRPr sz="1000" b="1"/>
             </a:lvl1pPr>
           </a:lstStyle>
           <a:p>
@@ -2099,39 +2099,39 @@
         </p:nvSpPr>
         <p:spPr>
           <a:xfrm>
-            <a:off x="3575050" y="273050"/>
-            <a:ext cx="5111750" cy="5853113"/>
+            <a:off x="1548570" y="164844"/>
+            <a:ext cx="2214205" cy="3533546"/>
           </a:xfrm>
         </p:spPr>
         <p:txBody>
           <a:bodyPr/>
           <a:lstStyle>
             <a:lvl1pPr>
-              <a:defRPr sz="3200"/>
+              <a:defRPr sz="1600"/>
             </a:lvl1pPr>
             <a:lvl2pPr>
-              <a:defRPr sz="2800"/>
+              <a:defRPr sz="1500"/>
             </a:lvl2pPr>
             <a:lvl3pPr>
-              <a:defRPr sz="2400"/>
+              <a:defRPr sz="1200"/>
             </a:lvl3pPr>
             <a:lvl4pPr>
-              <a:defRPr sz="2000"/>
+              <a:defRPr sz="1000"/>
             </a:lvl4pPr>
             <a:lvl5pPr>
-              <a:defRPr sz="2000"/>
+              <a:defRPr sz="1000"/>
             </a:lvl5pPr>
             <a:lvl6pPr>
-              <a:defRPr sz="2000"/>
+              <a:defRPr sz="1000"/>
             </a:lvl6pPr>
             <a:lvl7pPr>
-              <a:defRPr sz="2000"/>
+              <a:defRPr sz="1000"/>
             </a:lvl7pPr>
             <a:lvl8pPr>
-              <a:defRPr sz="2000"/>
+              <a:defRPr sz="1000"/>
             </a:lvl8pPr>
             <a:lvl9pPr>
-              <a:defRPr sz="2000"/>
+              <a:defRPr sz="1000"/>
             </a:lvl9pPr>
           </a:lstStyle>
           <a:p>
@@ -2184,8 +2184,8 @@
         </p:nvSpPr>
         <p:spPr>
           <a:xfrm>
-            <a:off x="457200" y="1435100"/>
-            <a:ext cx="3008313" cy="4691063"/>
+            <a:off x="198043" y="866376"/>
+            <a:ext cx="1303079" cy="2832012"/>
           </a:xfrm>
         </p:spPr>
         <p:txBody>
@@ -2193,39 +2193,39 @@
           <a:lstStyle>
             <a:lvl1pPr marL="0" indent="0">
               <a:buNone/>
-              <a:defRPr sz="1400"/>
+              <a:defRPr sz="600"/>
             </a:lvl1pPr>
-            <a:lvl2pPr marL="457200" indent="0">
+            <a:lvl2pPr marL="226252" indent="0">
               <a:buNone/>
-              <a:defRPr sz="1200"/>
+              <a:defRPr sz="500"/>
             </a:lvl2pPr>
-            <a:lvl3pPr marL="914400" indent="0">
+            <a:lvl3pPr marL="452504" indent="0">
               <a:buNone/>
-              <a:defRPr sz="1000"/>
+              <a:defRPr sz="500"/>
             </a:lvl3pPr>
-            <a:lvl4pPr marL="1371600" indent="0">
+            <a:lvl4pPr marL="678757" indent="0">
               <a:buNone/>
-              <a:defRPr sz="900"/>
+              <a:defRPr sz="500"/>
             </a:lvl4pPr>
-            <a:lvl5pPr marL="1828800" indent="0">
+            <a:lvl5pPr marL="905009" indent="0">
               <a:buNone/>
-              <a:defRPr sz="900"/>
+              <a:defRPr sz="500"/>
             </a:lvl5pPr>
-            <a:lvl6pPr marL="2286000" indent="0">
+            <a:lvl6pPr marL="1131261" indent="0">
               <a:buNone/>
-              <a:defRPr sz="900"/>
+              <a:defRPr sz="500"/>
             </a:lvl6pPr>
-            <a:lvl7pPr marL="2743200" indent="0">
+            <a:lvl7pPr marL="1357514" indent="0">
               <a:buNone/>
-              <a:defRPr sz="900"/>
+              <a:defRPr sz="500"/>
             </a:lvl7pPr>
-            <a:lvl8pPr marL="3200400" indent="0">
+            <a:lvl8pPr marL="1583766" indent="0">
               <a:buNone/>
-              <a:defRPr sz="900"/>
+              <a:defRPr sz="500"/>
             </a:lvl8pPr>
-            <a:lvl9pPr marL="3657600" indent="0">
+            <a:lvl9pPr marL="1810018" indent="0">
               <a:buNone/>
-              <a:defRPr sz="900"/>
+              <a:defRPr sz="500"/>
             </a:lvl9pPr>
           </a:lstStyle>
           <a:p>
@@ -2254,7 +2254,7 @@
           <a:p>
             <a:fld id="{E33565EF-4A01-45A7-A583-43ECF94838BA}" type="datetimeFigureOut">
               <a:rPr lang="fr-FR" smtClean="0"/>
-              <a:t>11/07/2017</a:t>
+              <a:t>12/07/2017</a:t>
             </a:fld>
             <a:endParaRPr lang="fr-FR"/>
           </a:p>
@@ -2344,15 +2344,15 @@
         </p:nvSpPr>
         <p:spPr>
           <a:xfrm>
-            <a:off x="1792288" y="4800600"/>
-            <a:ext cx="5486400" cy="566738"/>
+            <a:off x="776348" y="2898143"/>
+            <a:ext cx="2376488" cy="342141"/>
           </a:xfrm>
         </p:spPr>
         <p:txBody>
           <a:bodyPr anchor="b"/>
           <a:lstStyle>
             <a:lvl1pPr algn="l">
-              <a:defRPr sz="2000" b="1"/>
+              <a:defRPr sz="1000" b="1"/>
             </a:lvl1pPr>
           </a:lstStyle>
           <a:p>
@@ -2376,8 +2376,8 @@
         </p:nvSpPr>
         <p:spPr>
           <a:xfrm>
-            <a:off x="1792288" y="612775"/>
-            <a:ext cx="5486400" cy="4114800"/>
+            <a:off x="776348" y="369936"/>
+            <a:ext cx="2376488" cy="2484120"/>
           </a:xfrm>
         </p:spPr>
         <p:txBody>
@@ -2385,39 +2385,39 @@
           <a:lstStyle>
             <a:lvl1pPr marL="0" indent="0">
               <a:buNone/>
-              <a:defRPr sz="3200"/>
+              <a:defRPr sz="1600"/>
             </a:lvl1pPr>
-            <a:lvl2pPr marL="457200" indent="0">
+            <a:lvl2pPr marL="226252" indent="0">
               <a:buNone/>
-              <a:defRPr sz="2800"/>
+              <a:defRPr sz="1500"/>
             </a:lvl2pPr>
-            <a:lvl3pPr marL="914400" indent="0">
+            <a:lvl3pPr marL="452504" indent="0">
               <a:buNone/>
-              <a:defRPr sz="2400"/>
+              <a:defRPr sz="1200"/>
             </a:lvl3pPr>
-            <a:lvl4pPr marL="1371600" indent="0">
+            <a:lvl4pPr marL="678757" indent="0">
               <a:buNone/>
-              <a:defRPr sz="2000"/>
+              <a:defRPr sz="1000"/>
             </a:lvl4pPr>
-            <a:lvl5pPr marL="1828800" indent="0">
+            <a:lvl5pPr marL="905009" indent="0">
               <a:buNone/>
-              <a:defRPr sz="2000"/>
+              <a:defRPr sz="1000"/>
             </a:lvl5pPr>
-            <a:lvl6pPr marL="2286000" indent="0">
+            <a:lvl6pPr marL="1131261" indent="0">
               <a:buNone/>
-              <a:defRPr sz="2000"/>
+              <a:defRPr sz="1000"/>
             </a:lvl6pPr>
-            <a:lvl7pPr marL="2743200" indent="0">
+            <a:lvl7pPr marL="1357514" indent="0">
               <a:buNone/>
-              <a:defRPr sz="2000"/>
+              <a:defRPr sz="1000"/>
             </a:lvl7pPr>
-            <a:lvl8pPr marL="3200400" indent="0">
+            <a:lvl8pPr marL="1583766" indent="0">
               <a:buNone/>
-              <a:defRPr sz="2000"/>
+              <a:defRPr sz="1000"/>
             </a:lvl8pPr>
-            <a:lvl9pPr marL="3657600" indent="0">
+            <a:lvl9pPr marL="1810018" indent="0">
               <a:buNone/>
-              <a:defRPr sz="2000"/>
+              <a:defRPr sz="1000"/>
             </a:lvl9pPr>
           </a:lstStyle>
           <a:p>
@@ -2437,8 +2437,8 @@
         </p:nvSpPr>
         <p:spPr>
           <a:xfrm>
-            <a:off x="1792288" y="5367338"/>
-            <a:ext cx="5486400" cy="804862"/>
+            <a:off x="776348" y="3240281"/>
+            <a:ext cx="2376488" cy="485899"/>
           </a:xfrm>
         </p:spPr>
         <p:txBody>
@@ -2446,39 +2446,39 @@
           <a:lstStyle>
             <a:lvl1pPr marL="0" indent="0">
               <a:buNone/>
-              <a:defRPr sz="1400"/>
+              <a:defRPr sz="600"/>
             </a:lvl1pPr>
-            <a:lvl2pPr marL="457200" indent="0">
+            <a:lvl2pPr marL="226252" indent="0">
               <a:buNone/>
-              <a:defRPr sz="1200"/>
+              <a:defRPr sz="500"/>
             </a:lvl2pPr>
-            <a:lvl3pPr marL="914400" indent="0">
+            <a:lvl3pPr marL="452504" indent="0">
               <a:buNone/>
-              <a:defRPr sz="1000"/>
+              <a:defRPr sz="500"/>
             </a:lvl3pPr>
-            <a:lvl4pPr marL="1371600" indent="0">
+            <a:lvl4pPr marL="678757" indent="0">
               <a:buNone/>
-              <a:defRPr sz="900"/>
+              <a:defRPr sz="500"/>
             </a:lvl4pPr>
-            <a:lvl5pPr marL="1828800" indent="0">
+            <a:lvl5pPr marL="905009" indent="0">
               <a:buNone/>
-              <a:defRPr sz="900"/>
+              <a:defRPr sz="500"/>
             </a:lvl5pPr>
-            <a:lvl6pPr marL="2286000" indent="0">
+            <a:lvl6pPr marL="1131261" indent="0">
               <a:buNone/>
-              <a:defRPr sz="900"/>
+              <a:defRPr sz="500"/>
             </a:lvl6pPr>
-            <a:lvl7pPr marL="2743200" indent="0">
+            <a:lvl7pPr marL="1357514" indent="0">
               <a:buNone/>
-              <a:defRPr sz="900"/>
+              <a:defRPr sz="500"/>
             </a:lvl7pPr>
-            <a:lvl8pPr marL="3200400" indent="0">
+            <a:lvl8pPr marL="1583766" indent="0">
               <a:buNone/>
-              <a:defRPr sz="900"/>
+              <a:defRPr sz="500"/>
             </a:lvl8pPr>
-            <a:lvl9pPr marL="3657600" indent="0">
+            <a:lvl9pPr marL="1810018" indent="0">
               <a:buNone/>
-              <a:defRPr sz="900"/>
+              <a:defRPr sz="500"/>
             </a:lvl9pPr>
           </a:lstStyle>
           <a:p>
@@ -2507,7 +2507,7 @@
           <a:p>
             <a:fld id="{E33565EF-4A01-45A7-A583-43ECF94838BA}" type="datetimeFigureOut">
               <a:rPr lang="fr-FR" smtClean="0"/>
-              <a:t>11/07/2017</a:t>
+              <a:t>12/07/2017</a:t>
             </a:fld>
             <a:endParaRPr lang="fr-FR"/>
           </a:p>
@@ -2602,15 +2602,15 @@
         </p:nvSpPr>
         <p:spPr>
           <a:xfrm>
-            <a:off x="457200" y="274638"/>
-            <a:ext cx="8229600" cy="1143000"/>
+            <a:off x="198042" y="165801"/>
+            <a:ext cx="3564732" cy="690034"/>
           </a:xfrm>
           <a:prstGeom prst="rect">
             <a:avLst/>
           </a:prstGeom>
         </p:spPr>
         <p:txBody>
-          <a:bodyPr vert="horz" lIns="91440" tIns="45720" rIns="91440" bIns="45720" rtlCol="0" anchor="ctr">
+          <a:bodyPr vert="horz" lIns="45251" tIns="22625" rIns="45251" bIns="22625" rtlCol="0" anchor="ctr">
             <a:normAutofit/>
           </a:bodyPr>
           <a:lstStyle/>
@@ -2635,15 +2635,15 @@
         </p:nvSpPr>
         <p:spPr>
           <a:xfrm>
-            <a:off x="457200" y="1600200"/>
-            <a:ext cx="8229600" cy="4525963"/>
+            <a:off x="198042" y="966048"/>
+            <a:ext cx="3564732" cy="2732341"/>
           </a:xfrm>
           <a:prstGeom prst="rect">
             <a:avLst/>
           </a:prstGeom>
         </p:spPr>
         <p:txBody>
-          <a:bodyPr vert="horz" lIns="91440" tIns="45720" rIns="91440" bIns="45720" rtlCol="0">
+          <a:bodyPr vert="horz" lIns="45251" tIns="22625" rIns="45251" bIns="22625" rtlCol="0">
             <a:normAutofit/>
           </a:bodyPr>
           <a:lstStyle/>
@@ -2697,18 +2697,18 @@
         </p:nvSpPr>
         <p:spPr>
           <a:xfrm>
-            <a:off x="457200" y="6356350"/>
-            <a:ext cx="2133600" cy="365125"/>
+            <a:off x="198042" y="3837354"/>
+            <a:ext cx="924190" cy="220428"/>
           </a:xfrm>
           <a:prstGeom prst="rect">
             <a:avLst/>
           </a:prstGeom>
         </p:spPr>
         <p:txBody>
-          <a:bodyPr vert="horz" lIns="91440" tIns="45720" rIns="91440" bIns="45720" rtlCol="0" anchor="ctr"/>
+          <a:bodyPr vert="horz" lIns="45251" tIns="22625" rIns="45251" bIns="22625" rtlCol="0" anchor="ctr"/>
           <a:lstStyle>
             <a:lvl1pPr algn="l">
-              <a:defRPr sz="1200">
+              <a:defRPr sz="500">
                 <a:solidFill>
                   <a:schemeClr val="tx1">
                     <a:tint val="75000"/>
@@ -2720,7 +2720,7 @@
           <a:p>
             <a:fld id="{E33565EF-4A01-45A7-A583-43ECF94838BA}" type="datetimeFigureOut">
               <a:rPr lang="fr-FR" smtClean="0"/>
-              <a:t>11/07/2017</a:t>
+              <a:t>12/07/2017</a:t>
             </a:fld>
             <a:endParaRPr lang="fr-FR"/>
           </a:p>
@@ -2738,18 +2738,18 @@
         </p:nvSpPr>
         <p:spPr>
           <a:xfrm>
-            <a:off x="3124200" y="6356350"/>
-            <a:ext cx="2895600" cy="365125"/>
+            <a:off x="1353279" y="3837354"/>
+            <a:ext cx="1254258" cy="220428"/>
           </a:xfrm>
           <a:prstGeom prst="rect">
             <a:avLst/>
           </a:prstGeom>
         </p:spPr>
         <p:txBody>
-          <a:bodyPr vert="horz" lIns="91440" tIns="45720" rIns="91440" bIns="45720" rtlCol="0" anchor="ctr"/>
+          <a:bodyPr vert="horz" lIns="45251" tIns="22625" rIns="45251" bIns="22625" rtlCol="0" anchor="ctr"/>
           <a:lstStyle>
             <a:lvl1pPr algn="ctr">
-              <a:defRPr sz="1200">
+              <a:defRPr sz="500">
                 <a:solidFill>
                   <a:schemeClr val="tx1">
                     <a:tint val="75000"/>
@@ -2775,18 +2775,18 @@
         </p:nvSpPr>
         <p:spPr>
           <a:xfrm>
-            <a:off x="6553200" y="6356350"/>
-            <a:ext cx="2133600" cy="365125"/>
+            <a:off x="2838584" y="3837354"/>
+            <a:ext cx="924190" cy="220428"/>
           </a:xfrm>
           <a:prstGeom prst="rect">
             <a:avLst/>
           </a:prstGeom>
         </p:spPr>
         <p:txBody>
-          <a:bodyPr vert="horz" lIns="91440" tIns="45720" rIns="91440" bIns="45720" rtlCol="0" anchor="ctr"/>
+          <a:bodyPr vert="horz" lIns="45251" tIns="22625" rIns="45251" bIns="22625" rtlCol="0" anchor="ctr"/>
           <a:lstStyle>
             <a:lvl1pPr algn="r">
-              <a:defRPr sz="1200">
+              <a:defRPr sz="500">
                 <a:solidFill>
                   <a:schemeClr val="tx1">
                     <a:tint val="75000"/>
@@ -2827,12 +2827,12 @@
   </p:sldLayoutIdLst>
   <p:txStyles>
     <p:titleStyle>
-      <a:lvl1pPr algn="ctr" defTabSz="914400" rtl="0" eaLnBrk="1" latinLnBrk="0" hangingPunct="1">
+      <a:lvl1pPr algn="ctr" defTabSz="452504" rtl="0" eaLnBrk="1" latinLnBrk="0" hangingPunct="1">
         <a:spcBef>
           <a:spcPct val="0"/>
         </a:spcBef>
         <a:buNone/>
-        <a:defRPr sz="4400" kern="1200">
+        <a:defRPr sz="2200" kern="1200">
           <a:solidFill>
             <a:schemeClr val="tx1"/>
           </a:solidFill>
@@ -2843,13 +2843,13 @@
       </a:lvl1pPr>
     </p:titleStyle>
     <p:bodyStyle>
-      <a:lvl1pPr marL="342900" indent="-342900" algn="l" defTabSz="914400" rtl="0" eaLnBrk="1" latinLnBrk="0" hangingPunct="1">
+      <a:lvl1pPr marL="169689" indent="-169689" algn="l" defTabSz="452504" rtl="0" eaLnBrk="1" latinLnBrk="0" hangingPunct="1">
         <a:spcBef>
           <a:spcPct val="20000"/>
         </a:spcBef>
         <a:buFont typeface="Arial" panose="020B0604020202020204" pitchFamily="34" charset="0"/>
         <a:buChar char="•"/>
-        <a:defRPr sz="3200" kern="1200">
+        <a:defRPr sz="1600" kern="1200">
           <a:solidFill>
             <a:schemeClr val="tx1"/>
           </a:solidFill>
@@ -2858,13 +2858,13 @@
           <a:cs typeface="+mn-cs"/>
         </a:defRPr>
       </a:lvl1pPr>
-      <a:lvl2pPr marL="742950" indent="-285750" algn="l" defTabSz="914400" rtl="0" eaLnBrk="1" latinLnBrk="0" hangingPunct="1">
+      <a:lvl2pPr marL="367661" indent="-141408" algn="l" defTabSz="452504" rtl="0" eaLnBrk="1" latinLnBrk="0" hangingPunct="1">
         <a:spcBef>
           <a:spcPct val="20000"/>
         </a:spcBef>
         <a:buFont typeface="Arial" panose="020B0604020202020204" pitchFamily="34" charset="0"/>
         <a:buChar char="–"/>
-        <a:defRPr sz="2800" kern="1200">
+        <a:defRPr sz="1500" kern="1200">
           <a:solidFill>
             <a:schemeClr val="tx1"/>
           </a:solidFill>
@@ -2873,13 +2873,13 @@
           <a:cs typeface="+mn-cs"/>
         </a:defRPr>
       </a:lvl2pPr>
-      <a:lvl3pPr marL="1143000" indent="-228600" algn="l" defTabSz="914400" rtl="0" eaLnBrk="1" latinLnBrk="0" hangingPunct="1">
+      <a:lvl3pPr marL="565631" indent="-113127" algn="l" defTabSz="452504" rtl="0" eaLnBrk="1" latinLnBrk="0" hangingPunct="1">
         <a:spcBef>
           <a:spcPct val="20000"/>
         </a:spcBef>
         <a:buFont typeface="Arial" panose="020B0604020202020204" pitchFamily="34" charset="0"/>
         <a:buChar char="•"/>
-        <a:defRPr sz="2400" kern="1200">
+        <a:defRPr sz="1200" kern="1200">
           <a:solidFill>
             <a:schemeClr val="tx1"/>
           </a:solidFill>
@@ -2888,13 +2888,13 @@
           <a:cs typeface="+mn-cs"/>
         </a:defRPr>
       </a:lvl3pPr>
-      <a:lvl4pPr marL="1600200" indent="-228600" algn="l" defTabSz="914400" rtl="0" eaLnBrk="1" latinLnBrk="0" hangingPunct="1">
+      <a:lvl4pPr marL="791883" indent="-113127" algn="l" defTabSz="452504" rtl="0" eaLnBrk="1" latinLnBrk="0" hangingPunct="1">
         <a:spcBef>
           <a:spcPct val="20000"/>
         </a:spcBef>
         <a:buFont typeface="Arial" panose="020B0604020202020204" pitchFamily="34" charset="0"/>
         <a:buChar char="–"/>
-        <a:defRPr sz="2000" kern="1200">
+        <a:defRPr sz="1000" kern="1200">
           <a:solidFill>
             <a:schemeClr val="tx1"/>
           </a:solidFill>
@@ -2903,13 +2903,13 @@
           <a:cs typeface="+mn-cs"/>
         </a:defRPr>
       </a:lvl4pPr>
-      <a:lvl5pPr marL="2057400" indent="-228600" algn="l" defTabSz="914400" rtl="0" eaLnBrk="1" latinLnBrk="0" hangingPunct="1">
+      <a:lvl5pPr marL="1018135" indent="-113127" algn="l" defTabSz="452504" rtl="0" eaLnBrk="1" latinLnBrk="0" hangingPunct="1">
         <a:spcBef>
           <a:spcPct val="20000"/>
         </a:spcBef>
         <a:buFont typeface="Arial" panose="020B0604020202020204" pitchFamily="34" charset="0"/>
         <a:buChar char="»"/>
-        <a:defRPr sz="2000" kern="1200">
+        <a:defRPr sz="1000" kern="1200">
           <a:solidFill>
             <a:schemeClr val="tx1"/>
           </a:solidFill>
@@ -2918,13 +2918,13 @@
           <a:cs typeface="+mn-cs"/>
         </a:defRPr>
       </a:lvl5pPr>
-      <a:lvl6pPr marL="2514600" indent="-228600" algn="l" defTabSz="914400" rtl="0" eaLnBrk="1" latinLnBrk="0" hangingPunct="1">
+      <a:lvl6pPr marL="1244388" indent="-113127" algn="l" defTabSz="452504" rtl="0" eaLnBrk="1" latinLnBrk="0" hangingPunct="1">
         <a:spcBef>
           <a:spcPct val="20000"/>
         </a:spcBef>
         <a:buFont typeface="Arial" panose="020B0604020202020204" pitchFamily="34" charset="0"/>
         <a:buChar char="•"/>
-        <a:defRPr sz="2000" kern="1200">
+        <a:defRPr sz="1000" kern="1200">
           <a:solidFill>
             <a:schemeClr val="tx1"/>
           </a:solidFill>
@@ -2933,13 +2933,13 @@
           <a:cs typeface="+mn-cs"/>
         </a:defRPr>
       </a:lvl6pPr>
-      <a:lvl7pPr marL="2971800" indent="-228600" algn="l" defTabSz="914400" rtl="0" eaLnBrk="1" latinLnBrk="0" hangingPunct="1">
+      <a:lvl7pPr marL="1470640" indent="-113127" algn="l" defTabSz="452504" rtl="0" eaLnBrk="1" latinLnBrk="0" hangingPunct="1">
         <a:spcBef>
           <a:spcPct val="20000"/>
         </a:spcBef>
         <a:buFont typeface="Arial" panose="020B0604020202020204" pitchFamily="34" charset="0"/>
         <a:buChar char="•"/>
-        <a:defRPr sz="2000" kern="1200">
+        <a:defRPr sz="1000" kern="1200">
           <a:solidFill>
             <a:schemeClr val="tx1"/>
           </a:solidFill>
@@ -2948,13 +2948,13 @@
           <a:cs typeface="+mn-cs"/>
         </a:defRPr>
       </a:lvl7pPr>
-      <a:lvl8pPr marL="3429000" indent="-228600" algn="l" defTabSz="914400" rtl="0" eaLnBrk="1" latinLnBrk="0" hangingPunct="1">
+      <a:lvl8pPr marL="1696892" indent="-113127" algn="l" defTabSz="452504" rtl="0" eaLnBrk="1" latinLnBrk="0" hangingPunct="1">
         <a:spcBef>
           <a:spcPct val="20000"/>
         </a:spcBef>
         <a:buFont typeface="Arial" panose="020B0604020202020204" pitchFamily="34" charset="0"/>
         <a:buChar char="•"/>
-        <a:defRPr sz="2000" kern="1200">
+        <a:defRPr sz="1000" kern="1200">
           <a:solidFill>
             <a:schemeClr val="tx1"/>
           </a:solidFill>
@@ -2963,13 +2963,13 @@
           <a:cs typeface="+mn-cs"/>
         </a:defRPr>
       </a:lvl8pPr>
-      <a:lvl9pPr marL="3886200" indent="-228600" algn="l" defTabSz="914400" rtl="0" eaLnBrk="1" latinLnBrk="0" hangingPunct="1">
+      <a:lvl9pPr marL="1923144" indent="-113127" algn="l" defTabSz="452504" rtl="0" eaLnBrk="1" latinLnBrk="0" hangingPunct="1">
         <a:spcBef>
           <a:spcPct val="20000"/>
         </a:spcBef>
         <a:buFont typeface="Arial" panose="020B0604020202020204" pitchFamily="34" charset="0"/>
         <a:buChar char="•"/>
-        <a:defRPr sz="2000" kern="1200">
+        <a:defRPr sz="1000" kern="1200">
           <a:solidFill>
             <a:schemeClr val="tx1"/>
           </a:solidFill>
@@ -2983,8 +2983,8 @@
       <a:defPPr>
         <a:defRPr lang="fr-FR"/>
       </a:defPPr>
-      <a:lvl1pPr marL="0" algn="l" defTabSz="914400" rtl="0" eaLnBrk="1" latinLnBrk="0" hangingPunct="1">
-        <a:defRPr sz="1800" kern="1200">
+      <a:lvl1pPr marL="0" algn="l" defTabSz="452504" rtl="0" eaLnBrk="1" latinLnBrk="0" hangingPunct="1">
+        <a:defRPr sz="900" kern="1200">
           <a:solidFill>
             <a:schemeClr val="tx1"/>
           </a:solidFill>
@@ -2993,8 +2993,8 @@
           <a:cs typeface="+mn-cs"/>
         </a:defRPr>
       </a:lvl1pPr>
-      <a:lvl2pPr marL="457200" algn="l" defTabSz="914400" rtl="0" eaLnBrk="1" latinLnBrk="0" hangingPunct="1">
-        <a:defRPr sz="1800" kern="1200">
+      <a:lvl2pPr marL="226252" algn="l" defTabSz="452504" rtl="0" eaLnBrk="1" latinLnBrk="0" hangingPunct="1">
+        <a:defRPr sz="900" kern="1200">
           <a:solidFill>
             <a:schemeClr val="tx1"/>
           </a:solidFill>
@@ -3003,8 +3003,8 @@
           <a:cs typeface="+mn-cs"/>
         </a:defRPr>
       </a:lvl2pPr>
-      <a:lvl3pPr marL="914400" algn="l" defTabSz="914400" rtl="0" eaLnBrk="1" latinLnBrk="0" hangingPunct="1">
-        <a:defRPr sz="1800" kern="1200">
+      <a:lvl3pPr marL="452504" algn="l" defTabSz="452504" rtl="0" eaLnBrk="1" latinLnBrk="0" hangingPunct="1">
+        <a:defRPr sz="900" kern="1200">
           <a:solidFill>
             <a:schemeClr val="tx1"/>
           </a:solidFill>
@@ -3013,8 +3013,8 @@
           <a:cs typeface="+mn-cs"/>
         </a:defRPr>
       </a:lvl3pPr>
-      <a:lvl4pPr marL="1371600" algn="l" defTabSz="914400" rtl="0" eaLnBrk="1" latinLnBrk="0" hangingPunct="1">
-        <a:defRPr sz="1800" kern="1200">
+      <a:lvl4pPr marL="678757" algn="l" defTabSz="452504" rtl="0" eaLnBrk="1" latinLnBrk="0" hangingPunct="1">
+        <a:defRPr sz="900" kern="1200">
           <a:solidFill>
             <a:schemeClr val="tx1"/>
           </a:solidFill>
@@ -3023,8 +3023,8 @@
           <a:cs typeface="+mn-cs"/>
         </a:defRPr>
       </a:lvl4pPr>
-      <a:lvl5pPr marL="1828800" algn="l" defTabSz="914400" rtl="0" eaLnBrk="1" latinLnBrk="0" hangingPunct="1">
-        <a:defRPr sz="1800" kern="1200">
+      <a:lvl5pPr marL="905009" algn="l" defTabSz="452504" rtl="0" eaLnBrk="1" latinLnBrk="0" hangingPunct="1">
+        <a:defRPr sz="900" kern="1200">
           <a:solidFill>
             <a:schemeClr val="tx1"/>
           </a:solidFill>
@@ -3033,8 +3033,8 @@
           <a:cs typeface="+mn-cs"/>
         </a:defRPr>
       </a:lvl5pPr>
-      <a:lvl6pPr marL="2286000" algn="l" defTabSz="914400" rtl="0" eaLnBrk="1" latinLnBrk="0" hangingPunct="1">
-        <a:defRPr sz="1800" kern="1200">
+      <a:lvl6pPr marL="1131261" algn="l" defTabSz="452504" rtl="0" eaLnBrk="1" latinLnBrk="0" hangingPunct="1">
+        <a:defRPr sz="900" kern="1200">
           <a:solidFill>
             <a:schemeClr val="tx1"/>
           </a:solidFill>
@@ -3043,8 +3043,8 @@
           <a:cs typeface="+mn-cs"/>
         </a:defRPr>
       </a:lvl6pPr>
-      <a:lvl7pPr marL="2743200" algn="l" defTabSz="914400" rtl="0" eaLnBrk="1" latinLnBrk="0" hangingPunct="1">
-        <a:defRPr sz="1800" kern="1200">
+      <a:lvl7pPr marL="1357514" algn="l" defTabSz="452504" rtl="0" eaLnBrk="1" latinLnBrk="0" hangingPunct="1">
+        <a:defRPr sz="900" kern="1200">
           <a:solidFill>
             <a:schemeClr val="tx1"/>
           </a:solidFill>
@@ -3053,8 +3053,8 @@
           <a:cs typeface="+mn-cs"/>
         </a:defRPr>
       </a:lvl7pPr>
-      <a:lvl8pPr marL="3200400" algn="l" defTabSz="914400" rtl="0" eaLnBrk="1" latinLnBrk="0" hangingPunct="1">
-        <a:defRPr sz="1800" kern="1200">
+      <a:lvl8pPr marL="1583766" algn="l" defTabSz="452504" rtl="0" eaLnBrk="1" latinLnBrk="0" hangingPunct="1">
+        <a:defRPr sz="900" kern="1200">
           <a:solidFill>
             <a:schemeClr val="tx1"/>
           </a:solidFill>
@@ -3063,8 +3063,8 @@
           <a:cs typeface="+mn-cs"/>
         </a:defRPr>
       </a:lvl8pPr>
-      <a:lvl9pPr marL="3657600" algn="l" defTabSz="914400" rtl="0" eaLnBrk="1" latinLnBrk="0" hangingPunct="1">
-        <a:defRPr sz="1800" kern="1200">
+      <a:lvl9pPr marL="1810018" algn="l" defTabSz="452504" rtl="0" eaLnBrk="1" latinLnBrk="0" hangingPunct="1">
+        <a:defRPr sz="900" kern="1200">
           <a:solidFill>
             <a:schemeClr val="tx1"/>
           </a:solidFill>
@@ -3097,57 +3097,21 @@
       </p:grpSpPr>
       <p:grpSp>
         <p:nvGrpSpPr>
-          <p:cNvPr id="4" name="Groupe 3"/>
+          <p:cNvPr id="287" name="Groupe 286"/>
           <p:cNvGrpSpPr/>
           <p:nvPr/>
         </p:nvGrpSpPr>
         <p:grpSpPr>
           <a:xfrm>
-            <a:off x="1277026" y="-27384"/>
-            <a:ext cx="4038709" cy="4201883"/>
-            <a:chOff x="-10769" y="-27384"/>
-            <a:chExt cx="4038709" cy="4201883"/>
+            <a:off x="-5914" y="-1965"/>
+            <a:ext cx="4038709" cy="4176464"/>
+            <a:chOff x="1277026" y="-1965"/>
+            <a:chExt cx="4038709" cy="4176464"/>
           </a:xfrm>
         </p:grpSpPr>
         <p:sp>
           <p:nvSpPr>
-            <p:cNvPr id="5" name="ZoneTexte 4"/>
-            <p:cNvSpPr txBox="1"/>
-            <p:nvPr/>
-          </p:nvSpPr>
-          <p:spPr>
-            <a:xfrm>
-              <a:off x="106755" y="-27384"/>
-              <a:ext cx="441146" cy="369332"/>
-            </a:xfrm>
-            <a:prstGeom prst="rect">
-              <a:avLst/>
-            </a:prstGeom>
-            <a:noFill/>
-          </p:spPr>
-          <p:txBody>
-            <a:bodyPr wrap="none" rtlCol="0">
-              <a:spAutoFit/>
-            </a:bodyPr>
-            <a:lstStyle/>
-            <a:p>
-              <a:r>
-                <a:rPr lang="fr-FR" dirty="0" smtClean="0">
-                  <a:latin typeface="Times New Roman" panose="02020603050405020304" pitchFamily="18" charset="0"/>
-                  <a:cs typeface="Times New Roman" panose="02020603050405020304" pitchFamily="18" charset="0"/>
-                </a:rPr>
-                <a:t>(a)</a:t>
-              </a:r>
-              <a:endParaRPr lang="en-US" dirty="0">
-                <a:latin typeface="Times New Roman" panose="02020603050405020304" pitchFamily="18" charset="0"/>
-                <a:cs typeface="Times New Roman" panose="02020603050405020304" pitchFamily="18" charset="0"/>
-              </a:endParaRPr>
-            </a:p>
-          </p:txBody>
-        </p:sp>
-        <p:sp>
-          <p:nvSpPr>
-            <p:cNvPr id="6" name="Line 17"/>
+            <p:cNvPr id="288" name="Line 17"/>
             <p:cNvSpPr>
               <a:spLocks noChangeShapeType="1"/>
             </p:cNvSpPr>
@@ -3155,7 +3119,7 @@
           </p:nvSpPr>
           <p:spPr bwMode="auto">
             <a:xfrm>
-              <a:off x="1239896" y="502091"/>
+              <a:off x="2527691" y="502091"/>
               <a:ext cx="191572" cy="0"/>
             </a:xfrm>
             <a:prstGeom prst="line">
@@ -3198,7 +3162,7 @@
         </p:sp>
         <p:sp>
           <p:nvSpPr>
-            <p:cNvPr id="7" name="Line 17"/>
+            <p:cNvPr id="289" name="Line 17"/>
             <p:cNvSpPr>
               <a:spLocks noChangeShapeType="1"/>
             </p:cNvSpPr>
@@ -3206,7 +3170,7 @@
           </p:nvSpPr>
           <p:spPr bwMode="auto">
             <a:xfrm>
-              <a:off x="1679537" y="405946"/>
+              <a:off x="2967332" y="405946"/>
               <a:ext cx="191572" cy="0"/>
             </a:xfrm>
             <a:prstGeom prst="line">
@@ -3249,7 +3213,7 @@
         </p:sp>
         <p:sp>
           <p:nvSpPr>
-            <p:cNvPr id="8" name="Line 17"/>
+            <p:cNvPr id="290" name="Line 17"/>
             <p:cNvSpPr>
               <a:spLocks noChangeShapeType="1"/>
             </p:cNvSpPr>
@@ -3257,7 +3221,7 @@
           </p:nvSpPr>
           <p:spPr bwMode="auto">
             <a:xfrm>
-              <a:off x="2116206" y="502091"/>
+              <a:off x="3404001" y="502091"/>
               <a:ext cx="191572" cy="0"/>
             </a:xfrm>
             <a:prstGeom prst="line">
@@ -3300,7 +3264,7 @@
         </p:sp>
         <p:sp>
           <p:nvSpPr>
-            <p:cNvPr id="9" name="Line 17"/>
+            <p:cNvPr id="291" name="Line 17"/>
             <p:cNvSpPr>
               <a:spLocks noChangeShapeType="1"/>
             </p:cNvSpPr>
@@ -3308,7 +3272,7 @@
           </p:nvSpPr>
           <p:spPr bwMode="auto">
             <a:xfrm>
-              <a:off x="2087763" y="1078155"/>
+              <a:off x="3375558" y="1078155"/>
               <a:ext cx="191572" cy="0"/>
             </a:xfrm>
             <a:prstGeom prst="line">
@@ -3351,7 +3315,7 @@
         </p:sp>
         <p:sp>
           <p:nvSpPr>
-            <p:cNvPr id="10" name="Line 17"/>
+            <p:cNvPr id="292" name="Line 17"/>
             <p:cNvSpPr>
               <a:spLocks noChangeShapeType="1"/>
             </p:cNvSpPr>
@@ -3359,7 +3323,7 @@
           </p:nvSpPr>
           <p:spPr bwMode="auto">
             <a:xfrm>
-              <a:off x="2363331" y="1222171"/>
+              <a:off x="3651126" y="1222171"/>
               <a:ext cx="191572" cy="0"/>
             </a:xfrm>
             <a:prstGeom prst="line">
@@ -3402,7 +3366,7 @@
         </p:sp>
         <p:sp>
           <p:nvSpPr>
-            <p:cNvPr id="11" name="Line 17"/>
+            <p:cNvPr id="293" name="Line 17"/>
             <p:cNvSpPr>
               <a:spLocks noChangeShapeType="1"/>
             </p:cNvSpPr>
@@ -3410,7 +3374,7 @@
           </p:nvSpPr>
           <p:spPr bwMode="auto">
             <a:xfrm>
-              <a:off x="1229531" y="1078155"/>
+              <a:off x="2517326" y="1078155"/>
               <a:ext cx="191572" cy="0"/>
             </a:xfrm>
             <a:prstGeom prst="line">
@@ -3453,7 +3417,7 @@
         </p:sp>
         <p:sp>
           <p:nvSpPr>
-            <p:cNvPr id="12" name="Line 17"/>
+            <p:cNvPr id="294" name="Line 17"/>
             <p:cNvSpPr>
               <a:spLocks noChangeShapeType="1"/>
             </p:cNvSpPr>
@@ -3461,7 +3425,7 @@
           </p:nvSpPr>
           <p:spPr bwMode="auto">
             <a:xfrm>
-              <a:off x="1000256" y="1222171"/>
+              <a:off x="2288051" y="1222171"/>
               <a:ext cx="191572" cy="0"/>
             </a:xfrm>
             <a:prstGeom prst="line">
@@ -3504,13 +3468,13 @@
         </p:sp>
         <p:sp>
           <p:nvSpPr>
-            <p:cNvPr id="13" name="Rectangle 12"/>
+            <p:cNvPr id="295" name="Rectangle 294"/>
             <p:cNvSpPr/>
             <p:nvPr/>
           </p:nvSpPr>
           <p:spPr>
             <a:xfrm>
-              <a:off x="1848217" y="-1965"/>
+              <a:off x="3136012" y="-1965"/>
               <a:ext cx="217128" cy="230872"/>
             </a:xfrm>
             <a:prstGeom prst="rect">
@@ -3536,13 +3500,13 @@
         </p:sp>
         <p:sp>
           <p:nvSpPr>
-            <p:cNvPr id="14" name="Rectangle 13"/>
+            <p:cNvPr id="296" name="Rectangle 295"/>
             <p:cNvSpPr/>
             <p:nvPr/>
           </p:nvSpPr>
           <p:spPr>
             <a:xfrm>
-              <a:off x="2693361" y="977741"/>
+              <a:off x="3981156" y="977741"/>
               <a:ext cx="591710" cy="335493"/>
             </a:xfrm>
             <a:prstGeom prst="rect">
@@ -3568,15 +3532,15 @@
         </p:sp>
         <p:cxnSp>
           <p:nvCxnSpPr>
-            <p:cNvPr id="15" name="Connecteur droit avec flèche 14"/>
+            <p:cNvPr id="297" name="Connecteur droit avec flèche 296"/>
             <p:cNvCxnSpPr>
-              <a:stCxn id="25" idx="0"/>
+              <a:stCxn id="307" idx="0"/>
             </p:cNvCxnSpPr>
             <p:nvPr/>
           </p:nvCxnSpPr>
           <p:spPr>
             <a:xfrm flipV="1">
-              <a:off x="1761903" y="113471"/>
+              <a:off x="3049698" y="113471"/>
               <a:ext cx="16156" cy="3725535"/>
             </a:xfrm>
             <a:prstGeom prst="straightConnector1">
@@ -3606,13 +3570,13 @@
         </p:cxnSp>
         <p:cxnSp>
           <p:nvCxnSpPr>
-            <p:cNvPr id="16" name="Connecteur droit avec flèche 15"/>
+            <p:cNvPr id="298" name="Connecteur droit avec flèche 297"/>
             <p:cNvCxnSpPr/>
             <p:nvPr/>
           </p:nvCxnSpPr>
           <p:spPr>
             <a:xfrm flipV="1">
-              <a:off x="372985" y="3685134"/>
+              <a:off x="1660780" y="3685134"/>
               <a:ext cx="3238663" cy="3390"/>
             </a:xfrm>
             <a:prstGeom prst="straightConnector1">
@@ -3642,13 +3606,13 @@
         </p:cxnSp>
         <p:cxnSp>
           <p:nvCxnSpPr>
-            <p:cNvPr id="17" name="Connecteur droit 16"/>
+            <p:cNvPr id="299" name="Connecteur droit 298"/>
             <p:cNvCxnSpPr/>
             <p:nvPr/>
           </p:nvCxnSpPr>
           <p:spPr>
             <a:xfrm flipH="1">
-              <a:off x="2005847" y="3623051"/>
+              <a:off x="3293642" y="3623051"/>
               <a:ext cx="1" cy="130946"/>
             </a:xfrm>
             <a:prstGeom prst="line">
@@ -3677,13 +3641,13 @@
         </p:cxnSp>
         <p:cxnSp>
           <p:nvCxnSpPr>
-            <p:cNvPr id="18" name="Connecteur droit 17"/>
+            <p:cNvPr id="300" name="Connecteur droit 299"/>
             <p:cNvCxnSpPr/>
             <p:nvPr/>
           </p:nvCxnSpPr>
           <p:spPr>
             <a:xfrm flipH="1">
-              <a:off x="2248571" y="3623051"/>
+              <a:off x="3536366" y="3623051"/>
               <a:ext cx="1" cy="130946"/>
             </a:xfrm>
             <a:prstGeom prst="line">
@@ -3712,13 +3676,13 @@
         </p:cxnSp>
         <p:cxnSp>
           <p:nvCxnSpPr>
-            <p:cNvPr id="19" name="Connecteur droit 18"/>
+            <p:cNvPr id="301" name="Connecteur droit 300"/>
             <p:cNvCxnSpPr/>
             <p:nvPr/>
           </p:nvCxnSpPr>
           <p:spPr>
             <a:xfrm flipH="1">
-              <a:off x="2475751" y="3623051"/>
+              <a:off x="3763546" y="3623051"/>
               <a:ext cx="1" cy="130946"/>
             </a:xfrm>
             <a:prstGeom prst="line">
@@ -3747,13 +3711,13 @@
         </p:cxnSp>
         <p:cxnSp>
           <p:nvCxnSpPr>
-            <p:cNvPr id="20" name="Connecteur droit 19"/>
+            <p:cNvPr id="302" name="Connecteur droit 301"/>
             <p:cNvCxnSpPr/>
             <p:nvPr/>
           </p:nvCxnSpPr>
           <p:spPr>
             <a:xfrm flipH="1">
-              <a:off x="2702930" y="3623051"/>
+              <a:off x="3990725" y="3623051"/>
               <a:ext cx="1" cy="130946"/>
             </a:xfrm>
             <a:prstGeom prst="line">
@@ -3782,13 +3746,13 @@
         </p:cxnSp>
         <p:cxnSp>
           <p:nvCxnSpPr>
-            <p:cNvPr id="21" name="Connecteur droit 20"/>
+            <p:cNvPr id="303" name="Connecteur droit 302"/>
             <p:cNvCxnSpPr/>
             <p:nvPr/>
           </p:nvCxnSpPr>
           <p:spPr>
             <a:xfrm flipH="1">
-              <a:off x="1529174" y="3623051"/>
+              <a:off x="2816969" y="3623051"/>
               <a:ext cx="1" cy="130946"/>
             </a:xfrm>
             <a:prstGeom prst="line">
@@ -3817,13 +3781,13 @@
         </p:cxnSp>
         <p:cxnSp>
           <p:nvCxnSpPr>
-            <p:cNvPr id="22" name="Connecteur droit 21"/>
+            <p:cNvPr id="304" name="Connecteur droit 303"/>
             <p:cNvCxnSpPr/>
             <p:nvPr/>
           </p:nvCxnSpPr>
           <p:spPr>
             <a:xfrm flipH="1">
-              <a:off x="1301995" y="3623051"/>
+              <a:off x="2589790" y="3623051"/>
               <a:ext cx="1" cy="130946"/>
             </a:xfrm>
             <a:prstGeom prst="line">
@@ -3852,13 +3816,13 @@
         </p:cxnSp>
         <p:cxnSp>
           <p:nvCxnSpPr>
-            <p:cNvPr id="23" name="Connecteur droit 22"/>
+            <p:cNvPr id="305" name="Connecteur droit 304"/>
             <p:cNvCxnSpPr/>
             <p:nvPr/>
           </p:nvCxnSpPr>
           <p:spPr>
             <a:xfrm flipH="1">
-              <a:off x="1074815" y="3623051"/>
+              <a:off x="2362610" y="3623051"/>
               <a:ext cx="1" cy="130946"/>
             </a:xfrm>
             <a:prstGeom prst="line">
@@ -3887,13 +3851,13 @@
         </p:cxnSp>
         <p:cxnSp>
           <p:nvCxnSpPr>
-            <p:cNvPr id="24" name="Connecteur droit 23"/>
+            <p:cNvPr id="306" name="Connecteur droit 305"/>
             <p:cNvCxnSpPr/>
             <p:nvPr/>
           </p:nvCxnSpPr>
           <p:spPr>
             <a:xfrm flipH="1">
-              <a:off x="847636" y="3623051"/>
+              <a:off x="2135431" y="3623051"/>
               <a:ext cx="1" cy="130946"/>
             </a:xfrm>
             <a:prstGeom prst="line">
@@ -3922,13 +3886,13 @@
         </p:cxnSp>
         <p:sp>
           <p:nvSpPr>
-            <p:cNvPr id="25" name="Rectangle 24"/>
+            <p:cNvPr id="307" name="Rectangle 306"/>
             <p:cNvSpPr/>
             <p:nvPr/>
           </p:nvSpPr>
           <p:spPr>
             <a:xfrm>
-              <a:off x="1610346" y="3839006"/>
+              <a:off x="2898141" y="3839006"/>
               <a:ext cx="303114" cy="335493"/>
             </a:xfrm>
             <a:prstGeom prst="rect">
@@ -3954,13 +3918,13 @@
         </p:sp>
         <p:sp>
           <p:nvSpPr>
-            <p:cNvPr id="26" name="Rectangle 25"/>
+            <p:cNvPr id="308" name="Rectangle 307"/>
             <p:cNvSpPr/>
             <p:nvPr/>
           </p:nvSpPr>
           <p:spPr>
             <a:xfrm>
-              <a:off x="1800854" y="3839006"/>
+              <a:off x="3088649" y="3839006"/>
               <a:ext cx="414658" cy="335493"/>
             </a:xfrm>
             <a:prstGeom prst="rect">
@@ -3986,13 +3950,13 @@
         </p:sp>
         <p:sp>
           <p:nvSpPr>
-            <p:cNvPr id="27" name="Rectangle 26"/>
+            <p:cNvPr id="309" name="Rectangle 308"/>
             <p:cNvSpPr/>
             <p:nvPr/>
           </p:nvSpPr>
           <p:spPr>
             <a:xfrm>
-              <a:off x="2018611" y="3839006"/>
+              <a:off x="3306406" y="3839006"/>
               <a:ext cx="414658" cy="335493"/>
             </a:xfrm>
             <a:prstGeom prst="rect">
@@ -4018,13 +3982,13 @@
         </p:sp>
         <p:sp>
           <p:nvSpPr>
-            <p:cNvPr id="28" name="Rectangle 27"/>
+            <p:cNvPr id="310" name="Rectangle 309"/>
             <p:cNvSpPr/>
             <p:nvPr/>
           </p:nvSpPr>
           <p:spPr>
             <a:xfrm>
-              <a:off x="2261336" y="3839006"/>
+              <a:off x="3549131" y="3839006"/>
               <a:ext cx="414658" cy="335493"/>
             </a:xfrm>
             <a:prstGeom prst="rect">
@@ -4050,13 +4014,13 @@
         </p:sp>
         <p:sp>
           <p:nvSpPr>
-            <p:cNvPr id="29" name="Rectangle 28"/>
+            <p:cNvPr id="311" name="Rectangle 310"/>
             <p:cNvSpPr/>
             <p:nvPr/>
           </p:nvSpPr>
           <p:spPr>
             <a:xfrm>
-              <a:off x="2499505" y="3839006"/>
+              <a:off x="3787300" y="3839006"/>
               <a:ext cx="414658" cy="335493"/>
             </a:xfrm>
             <a:prstGeom prst="rect">
@@ -4082,13 +4046,13 @@
         </p:sp>
         <p:sp>
           <p:nvSpPr>
-            <p:cNvPr id="30" name="Rectangle 29"/>
+            <p:cNvPr id="312" name="Rectangle 311"/>
             <p:cNvSpPr/>
             <p:nvPr/>
           </p:nvSpPr>
           <p:spPr>
             <a:xfrm>
-              <a:off x="1307034" y="3839006"/>
+              <a:off x="2594829" y="3839006"/>
               <a:ext cx="368624" cy="335493"/>
             </a:xfrm>
             <a:prstGeom prst="rect">
@@ -4121,13 +4085,13 @@
         </p:sp>
         <p:sp>
           <p:nvSpPr>
-            <p:cNvPr id="31" name="Rectangle 30"/>
+            <p:cNvPr id="313" name="Rectangle 312"/>
             <p:cNvSpPr/>
             <p:nvPr/>
           </p:nvSpPr>
           <p:spPr>
             <a:xfrm>
-              <a:off x="1079855" y="3839006"/>
+              <a:off x="2367650" y="3839006"/>
               <a:ext cx="368624" cy="335493"/>
             </a:xfrm>
             <a:prstGeom prst="rect">
@@ -4160,13 +4124,13 @@
         </p:sp>
         <p:sp>
           <p:nvSpPr>
-            <p:cNvPr id="32" name="Rectangle 31"/>
+            <p:cNvPr id="314" name="Rectangle 313"/>
             <p:cNvSpPr/>
             <p:nvPr/>
           </p:nvSpPr>
           <p:spPr>
             <a:xfrm>
-              <a:off x="852676" y="3839006"/>
+              <a:off x="2140471" y="3839006"/>
               <a:ext cx="368624" cy="335493"/>
             </a:xfrm>
             <a:prstGeom prst="rect">
@@ -4199,13 +4163,13 @@
         </p:sp>
         <p:sp>
           <p:nvSpPr>
-            <p:cNvPr id="33" name="Rectangle 32"/>
+            <p:cNvPr id="315" name="Rectangle 314"/>
             <p:cNvSpPr/>
             <p:nvPr/>
           </p:nvSpPr>
           <p:spPr>
             <a:xfrm>
-              <a:off x="625497" y="3839006"/>
+              <a:off x="1913292" y="3839006"/>
               <a:ext cx="368624" cy="335493"/>
             </a:xfrm>
             <a:prstGeom prst="rect">
@@ -4238,13 +4202,13 @@
         </p:sp>
         <p:sp>
           <p:nvSpPr>
-            <p:cNvPr id="34" name="Rectangle 33"/>
+            <p:cNvPr id="316" name="Rectangle 315"/>
             <p:cNvSpPr/>
             <p:nvPr/>
           </p:nvSpPr>
           <p:spPr>
             <a:xfrm>
-              <a:off x="3335603" y="3717032"/>
+              <a:off x="4623398" y="3717032"/>
               <a:ext cx="300293" cy="230872"/>
             </a:xfrm>
             <a:prstGeom prst="rect">
@@ -4277,13 +4241,13 @@
         </p:sp>
         <p:sp>
           <p:nvSpPr>
-            <p:cNvPr id="35" name="ZoneTexte 34"/>
+            <p:cNvPr id="317" name="ZoneTexte 316"/>
             <p:cNvSpPr txBox="1"/>
             <p:nvPr/>
           </p:nvSpPr>
           <p:spPr>
             <a:xfrm>
-              <a:off x="2882781" y="1972759"/>
+              <a:off x="4170576" y="1972759"/>
               <a:ext cx="538550" cy="209884"/>
             </a:xfrm>
             <a:prstGeom prst="rect">
@@ -4339,13 +4303,13 @@
         </p:sp>
         <p:sp>
           <p:nvSpPr>
-            <p:cNvPr id="36" name="ZoneTexte 35"/>
+            <p:cNvPr id="318" name="ZoneTexte 317"/>
             <p:cNvSpPr txBox="1"/>
             <p:nvPr/>
           </p:nvSpPr>
           <p:spPr>
             <a:xfrm>
-              <a:off x="625497" y="3282221"/>
+              <a:off x="1913292" y="3282221"/>
               <a:ext cx="509330" cy="209884"/>
             </a:xfrm>
             <a:prstGeom prst="rect">
@@ -4401,13 +4365,13 @@
         </p:sp>
         <p:sp>
           <p:nvSpPr>
-            <p:cNvPr id="37" name="Rectangle 36"/>
+            <p:cNvPr id="319" name="Rectangle 318"/>
             <p:cNvSpPr/>
             <p:nvPr/>
           </p:nvSpPr>
           <p:spPr>
             <a:xfrm>
-              <a:off x="2693361" y="238199"/>
+              <a:off x="3981156" y="238199"/>
               <a:ext cx="591710" cy="335493"/>
             </a:xfrm>
             <a:prstGeom prst="rect">
@@ -4433,13 +4397,13 @@
         </p:sp>
         <p:sp>
           <p:nvSpPr>
-            <p:cNvPr id="38" name="Rectangle 37"/>
+            <p:cNvPr id="320" name="Rectangle 319"/>
             <p:cNvSpPr/>
             <p:nvPr/>
           </p:nvSpPr>
           <p:spPr>
             <a:xfrm>
-              <a:off x="3241016" y="2996952"/>
+              <a:off x="4528811" y="2996952"/>
               <a:ext cx="449766" cy="230872"/>
             </a:xfrm>
             <a:prstGeom prst="rect">
@@ -4472,7 +4436,7 @@
         </p:sp>
         <p:sp>
           <p:nvSpPr>
-            <p:cNvPr id="39" name="Line 17"/>
+            <p:cNvPr id="321" name="Line 17"/>
             <p:cNvSpPr>
               <a:spLocks noChangeShapeType="1"/>
             </p:cNvSpPr>
@@ -4480,7 +4444,7 @@
           </p:nvSpPr>
           <p:spPr bwMode="auto">
             <a:xfrm>
-              <a:off x="2587086" y="2182644"/>
+              <a:off x="3874881" y="2182644"/>
               <a:ext cx="191572" cy="0"/>
             </a:xfrm>
             <a:prstGeom prst="line">
@@ -4521,7 +4485,7 @@
         </p:sp>
         <p:sp>
           <p:nvSpPr>
-            <p:cNvPr id="40" name="Line 17"/>
+            <p:cNvPr id="322" name="Line 17"/>
             <p:cNvSpPr>
               <a:spLocks noChangeShapeType="1"/>
             </p:cNvSpPr>
@@ -4529,7 +4493,7 @@
           </p:nvSpPr>
           <p:spPr bwMode="auto">
             <a:xfrm>
-              <a:off x="1432924" y="2903524"/>
+              <a:off x="2720719" y="2903524"/>
               <a:ext cx="642506" cy="0"/>
             </a:xfrm>
             <a:prstGeom prst="line">
@@ -4570,7 +4534,7 @@
         </p:sp>
         <p:sp>
           <p:nvSpPr>
-            <p:cNvPr id="41" name="Line 17"/>
+            <p:cNvPr id="323" name="Line 17"/>
             <p:cNvSpPr>
               <a:spLocks noChangeShapeType="1"/>
             </p:cNvSpPr>
@@ -4578,7 +4542,7 @@
           </p:nvSpPr>
           <p:spPr bwMode="auto">
             <a:xfrm>
-              <a:off x="1682883" y="3230213"/>
+              <a:off x="2970678" y="3230213"/>
               <a:ext cx="191572" cy="0"/>
             </a:xfrm>
             <a:prstGeom prst="line">
@@ -4619,7 +4583,7 @@
         </p:sp>
         <p:sp>
           <p:nvSpPr>
-            <p:cNvPr id="42" name="Line 17"/>
+            <p:cNvPr id="324" name="Line 17"/>
             <p:cNvSpPr>
               <a:spLocks noChangeShapeType="1"/>
             </p:cNvSpPr>
@@ -4627,7 +4591,7 @@
           </p:nvSpPr>
           <p:spPr bwMode="auto">
             <a:xfrm>
-              <a:off x="771910" y="2182644"/>
+              <a:off x="2059705" y="2182644"/>
               <a:ext cx="191572" cy="0"/>
             </a:xfrm>
             <a:prstGeom prst="line">
@@ -4670,7 +4634,7 @@
         </p:sp>
         <p:sp>
           <p:nvSpPr>
-            <p:cNvPr id="43" name="Line 17"/>
+            <p:cNvPr id="325" name="Line 17"/>
             <p:cNvSpPr>
               <a:spLocks noChangeShapeType="1"/>
             </p:cNvSpPr>
@@ -4678,7 +4642,7 @@
           </p:nvSpPr>
           <p:spPr bwMode="auto">
             <a:xfrm>
-              <a:off x="994576" y="2444535"/>
+              <a:off x="2282371" y="2444535"/>
               <a:ext cx="191572" cy="0"/>
             </a:xfrm>
             <a:prstGeom prst="line">
@@ -4721,7 +4685,7 @@
         </p:sp>
         <p:sp>
           <p:nvSpPr>
-            <p:cNvPr id="44" name="Line 17"/>
+            <p:cNvPr id="326" name="Line 17"/>
             <p:cNvSpPr>
               <a:spLocks noChangeShapeType="1"/>
             </p:cNvSpPr>
@@ -4729,7 +4693,7 @@
           </p:nvSpPr>
           <p:spPr bwMode="auto">
             <a:xfrm>
-              <a:off x="1224011" y="2706428"/>
+              <a:off x="2511806" y="2706428"/>
               <a:ext cx="191572" cy="0"/>
             </a:xfrm>
             <a:prstGeom prst="line">
@@ -4772,7 +4736,7 @@
         </p:sp>
         <p:sp>
           <p:nvSpPr>
-            <p:cNvPr id="45" name="Line 17"/>
+            <p:cNvPr id="327" name="Line 17"/>
             <p:cNvSpPr>
               <a:spLocks noChangeShapeType="1"/>
             </p:cNvSpPr>
@@ -4780,7 +4744,7 @@
           </p:nvSpPr>
           <p:spPr bwMode="auto">
             <a:xfrm>
-              <a:off x="1678369" y="3230213"/>
+              <a:off x="2966164" y="3230213"/>
               <a:ext cx="191572" cy="0"/>
             </a:xfrm>
             <a:prstGeom prst="line">
@@ -4823,7 +4787,7 @@
         </p:sp>
         <p:sp>
           <p:nvSpPr>
-            <p:cNvPr id="46" name="Line 17"/>
+            <p:cNvPr id="328" name="Line 17"/>
             <p:cNvSpPr>
               <a:spLocks noChangeShapeType="1"/>
             </p:cNvSpPr>
@@ -4831,7 +4795,7 @@
           </p:nvSpPr>
           <p:spPr bwMode="auto">
             <a:xfrm>
-              <a:off x="1905548" y="3492105"/>
+              <a:off x="3193343" y="3492105"/>
               <a:ext cx="191572" cy="0"/>
             </a:xfrm>
             <a:prstGeom prst="line">
@@ -4874,13 +4838,13 @@
         </p:sp>
         <p:sp>
           <p:nvSpPr>
-            <p:cNvPr id="47" name="ZoneTexte 46"/>
+            <p:cNvPr id="329" name="ZoneTexte 328"/>
             <p:cNvSpPr txBox="1"/>
             <p:nvPr/>
           </p:nvSpPr>
           <p:spPr>
             <a:xfrm>
-              <a:off x="-10769" y="1992075"/>
+              <a:off x="1277026" y="1992075"/>
               <a:ext cx="509330" cy="209884"/>
             </a:xfrm>
             <a:prstGeom prst="rect">
@@ -4936,13 +4900,13 @@
         </p:sp>
         <p:sp>
           <p:nvSpPr>
-            <p:cNvPr id="48" name="ZoneTexte 47"/>
+            <p:cNvPr id="330" name="ZoneTexte 329"/>
             <p:cNvSpPr txBox="1"/>
             <p:nvPr/>
           </p:nvSpPr>
           <p:spPr>
             <a:xfrm>
-              <a:off x="2136629" y="3284337"/>
+              <a:off x="3424424" y="3284337"/>
               <a:ext cx="538550" cy="209884"/>
             </a:xfrm>
             <a:prstGeom prst="rect">
@@ -4998,7 +4962,7 @@
         </p:sp>
         <p:sp>
           <p:nvSpPr>
-            <p:cNvPr id="49" name="Line 17"/>
+            <p:cNvPr id="331" name="Line 17"/>
             <p:cNvSpPr>
               <a:spLocks noChangeShapeType="1"/>
             </p:cNvSpPr>
@@ -5006,7 +4970,7 @@
           </p:nvSpPr>
           <p:spPr bwMode="auto">
             <a:xfrm>
-              <a:off x="2373842" y="2444535"/>
+              <a:off x="3661637" y="2444535"/>
               <a:ext cx="191572" cy="0"/>
             </a:xfrm>
             <a:prstGeom prst="line">
@@ -5047,7 +5011,7 @@
         </p:sp>
         <p:sp>
           <p:nvSpPr>
-            <p:cNvPr id="50" name="Line 17"/>
+            <p:cNvPr id="332" name="Line 17"/>
             <p:cNvSpPr>
               <a:spLocks noChangeShapeType="1"/>
             </p:cNvSpPr>
@@ -5055,7 +5019,7 @@
           </p:nvSpPr>
           <p:spPr bwMode="auto">
             <a:xfrm>
-              <a:off x="2146663" y="2706428"/>
+              <a:off x="3434458" y="2706428"/>
               <a:ext cx="191572" cy="0"/>
             </a:xfrm>
             <a:prstGeom prst="line">
@@ -5096,7 +5060,7 @@
         </p:sp>
         <p:sp>
           <p:nvSpPr>
-            <p:cNvPr id="51" name="Line 17"/>
+            <p:cNvPr id="333" name="Line 17"/>
             <p:cNvSpPr>
               <a:spLocks noChangeShapeType="1"/>
             </p:cNvSpPr>
@@ -5104,7 +5068,7 @@
           </p:nvSpPr>
           <p:spPr bwMode="auto">
             <a:xfrm>
-              <a:off x="1783379" y="3230213"/>
+              <a:off x="3071174" y="3230213"/>
               <a:ext cx="100498" cy="0"/>
             </a:xfrm>
             <a:prstGeom prst="line">
@@ -5145,7 +5109,7 @@
         </p:sp>
         <p:sp>
           <p:nvSpPr>
-            <p:cNvPr id="52" name="Line 17"/>
+            <p:cNvPr id="334" name="Line 17"/>
             <p:cNvSpPr>
               <a:spLocks noChangeShapeType="1"/>
             </p:cNvSpPr>
@@ -5153,7 +5117,7 @@
           </p:nvSpPr>
           <p:spPr bwMode="auto">
             <a:xfrm>
-              <a:off x="1465127" y="3492105"/>
+              <a:off x="2752922" y="3492105"/>
               <a:ext cx="191572" cy="0"/>
             </a:xfrm>
             <a:prstGeom prst="line">
@@ -5194,14 +5158,14 @@
         </p:sp>
         <p:sp>
           <p:nvSpPr>
-            <p:cNvPr id="53" name="ZoneTexte 52"/>
+            <p:cNvPr id="335" name="ZoneTexte 334"/>
             <p:cNvSpPr txBox="1"/>
             <p:nvPr/>
           </p:nvSpPr>
           <p:spPr>
             <a:xfrm>
-              <a:off x="2117209" y="1582211"/>
-              <a:ext cx="281188" cy="251861"/>
+              <a:off x="3405004" y="1582211"/>
+              <a:ext cx="377026" cy="338554"/>
             </a:xfrm>
             <a:prstGeom prst="rect">
               <a:avLst/>
@@ -5215,7 +5179,7 @@
             <a:lstStyle/>
             <a:p>
               <a:r>
-                <a:rPr lang="fr-FR" dirty="0">
+                <a:rPr lang="fr-FR" sz="1600" dirty="0">
                   <a:solidFill>
                     <a:srgbClr val="FF0000"/>
                   </a:solidFill>
@@ -5225,7 +5189,7 @@
                 <a:t>s</a:t>
               </a:r>
               <a:r>
-                <a:rPr lang="fr-FR" dirty="0" smtClean="0">
+                <a:rPr lang="fr-FR" sz="1600" dirty="0" smtClean="0">
                   <a:solidFill>
                     <a:srgbClr val="FF0000"/>
                   </a:solidFill>
@@ -5234,7 +5198,7 @@
                 </a:rPr>
                 <a:t>-</a:t>
               </a:r>
-              <a:endParaRPr lang="en-US" baseline="-25000" dirty="0">
+              <a:endParaRPr lang="en-US" sz="1600" baseline="-25000" dirty="0">
                 <a:solidFill>
                   <a:srgbClr val="FF0000"/>
                 </a:solidFill>
@@ -5246,14 +5210,14 @@
         </p:sp>
         <p:sp>
           <p:nvSpPr>
-            <p:cNvPr id="54" name="ZoneTexte 53"/>
+            <p:cNvPr id="336" name="ZoneTexte 335"/>
             <p:cNvSpPr txBox="1"/>
             <p:nvPr/>
           </p:nvSpPr>
           <p:spPr>
             <a:xfrm>
-              <a:off x="967544" y="1582211"/>
-              <a:ext cx="661345" cy="402591"/>
+              <a:off x="2255339" y="1582211"/>
+              <a:ext cx="661345" cy="338554"/>
             </a:xfrm>
             <a:prstGeom prst="rect">
               <a:avLst/>
@@ -5267,7 +5231,7 @@
             <a:lstStyle/>
             <a:p>
               <a:r>
-                <a:rPr lang="fr-FR" dirty="0" smtClean="0">
+                <a:rPr lang="fr-FR" sz="1600" dirty="0" smtClean="0">
                   <a:solidFill>
                     <a:srgbClr val="0070C0"/>
                   </a:solidFill>
@@ -5277,7 +5241,7 @@
                 <a:t>s</a:t>
               </a:r>
               <a:r>
-                <a:rPr lang="fr-FR" dirty="0" smtClean="0">
+                <a:rPr lang="fr-FR" sz="1600" dirty="0" smtClean="0">
                   <a:solidFill>
                     <a:srgbClr val="0070C0"/>
                   </a:solidFill>
@@ -5286,7 +5250,7 @@
                 </a:rPr>
                 <a:t>+</a:t>
               </a:r>
-              <a:endParaRPr lang="en-US" baseline="-25000" dirty="0">
+              <a:endParaRPr lang="en-US" sz="1600" baseline="-25000" dirty="0">
                 <a:solidFill>
                   <a:srgbClr val="0070C0"/>
                 </a:solidFill>
@@ -5298,14 +5262,14 @@
         </p:sp>
         <p:cxnSp>
           <p:nvCxnSpPr>
-            <p:cNvPr id="55" name="Connecteur droit avec flèche 54"/>
+            <p:cNvPr id="337" name="Connecteur droit avec flèche 336"/>
             <p:cNvCxnSpPr/>
             <p:nvPr/>
           </p:nvCxnSpPr>
           <p:spPr>
             <a:xfrm>
-              <a:off x="1998149" y="993368"/>
-              <a:ext cx="319890" cy="1681389"/>
+              <a:off x="3285944" y="993367"/>
+              <a:ext cx="252000" cy="1702800"/>
             </a:xfrm>
             <a:prstGeom prst="straightConnector1">
               <a:avLst/>
@@ -5335,7 +5299,7 @@
         </p:cxnSp>
         <p:sp>
           <p:nvSpPr>
-            <p:cNvPr id="56" name="Line 17"/>
+            <p:cNvPr id="338" name="Line 17"/>
             <p:cNvSpPr>
               <a:spLocks noChangeShapeType="1"/>
             </p:cNvSpPr>
@@ -5343,7 +5307,7 @@
           </p:nvSpPr>
           <p:spPr bwMode="auto">
             <a:xfrm>
-              <a:off x="1444089" y="2902848"/>
+              <a:off x="2731884" y="2902848"/>
               <a:ext cx="657858" cy="677"/>
             </a:xfrm>
             <a:prstGeom prst="line">
@@ -5387,7 +5351,7 @@
         </p:sp>
         <p:sp>
           <p:nvSpPr>
-            <p:cNvPr id="57" name="Line 17"/>
+            <p:cNvPr id="339" name="Line 17"/>
             <p:cNvSpPr>
               <a:spLocks noChangeShapeType="1"/>
             </p:cNvSpPr>
@@ -5395,7 +5359,7 @@
           </p:nvSpPr>
           <p:spPr bwMode="auto">
             <a:xfrm>
-              <a:off x="1433765" y="3033794"/>
+              <a:off x="2721560" y="3033794"/>
               <a:ext cx="642506" cy="0"/>
             </a:xfrm>
             <a:prstGeom prst="line">
@@ -5436,7 +5400,7 @@
         </p:sp>
         <p:sp>
           <p:nvSpPr>
-            <p:cNvPr id="58" name="Line 17"/>
+            <p:cNvPr id="340" name="Line 17"/>
             <p:cNvSpPr>
               <a:spLocks noChangeShapeType="1"/>
             </p:cNvSpPr>
@@ -5444,7 +5408,7 @@
           </p:nvSpPr>
           <p:spPr bwMode="auto">
             <a:xfrm>
-              <a:off x="1444931" y="3033117"/>
+              <a:off x="2732726" y="3033117"/>
               <a:ext cx="657858" cy="677"/>
             </a:xfrm>
             <a:prstGeom prst="line">
@@ -5488,7 +5452,7 @@
         </p:sp>
         <p:sp>
           <p:nvSpPr>
-            <p:cNvPr id="59" name="Line 17"/>
+            <p:cNvPr id="341" name="Line 17"/>
             <p:cNvSpPr>
               <a:spLocks noChangeShapeType="1"/>
             </p:cNvSpPr>
@@ -5496,7 +5460,7 @@
           </p:nvSpPr>
           <p:spPr bwMode="auto">
             <a:xfrm>
-              <a:off x="1683888" y="929731"/>
+              <a:off x="2971683" y="929731"/>
               <a:ext cx="191572" cy="0"/>
             </a:xfrm>
             <a:prstGeom prst="line">
@@ -5539,13 +5503,13 @@
         </p:sp>
         <p:sp>
           <p:nvSpPr>
-            <p:cNvPr id="60" name="Forme libre 59"/>
+            <p:cNvPr id="342" name="Forme libre 341"/>
             <p:cNvSpPr/>
             <p:nvPr/>
           </p:nvSpPr>
           <p:spPr>
             <a:xfrm>
-              <a:off x="1530357" y="681361"/>
+              <a:off x="2818152" y="681361"/>
               <a:ext cx="466190" cy="259047"/>
             </a:xfrm>
             <a:custGeom>
@@ -5633,16 +5597,14 @@
         </p:sp>
         <p:cxnSp>
           <p:nvCxnSpPr>
-            <p:cNvPr id="61" name="Connecteur droit avec flèche 60"/>
-            <p:cNvCxnSpPr>
-              <a:endCxn id="44" idx="0"/>
-            </p:cNvCxnSpPr>
+            <p:cNvPr id="343" name="Connecteur droit avec flèche 342"/>
+            <p:cNvCxnSpPr/>
             <p:nvPr/>
           </p:nvCxnSpPr>
           <p:spPr>
             <a:xfrm flipH="1">
-              <a:off x="1224011" y="1002893"/>
-              <a:ext cx="324883" cy="1703535"/>
+              <a:off x="2610283" y="1007189"/>
+              <a:ext cx="223200" cy="1692000"/>
             </a:xfrm>
             <a:prstGeom prst="straightConnector1">
               <a:avLst/>
@@ -5672,13 +5634,13 @@
         </p:cxnSp>
         <p:sp>
           <p:nvSpPr>
-            <p:cNvPr id="62" name="Rectangle 61"/>
+            <p:cNvPr id="344" name="Rectangle 343"/>
             <p:cNvSpPr/>
             <p:nvPr/>
           </p:nvSpPr>
           <p:spPr>
             <a:xfrm>
-              <a:off x="3184814" y="608699"/>
+              <a:off x="4472609" y="608699"/>
               <a:ext cx="843126" cy="369042"/>
             </a:xfrm>
             <a:prstGeom prst="rect">
@@ -5718,7 +5680,7 @@
         </p:sp>
         <p:sp>
           <p:nvSpPr>
-            <p:cNvPr id="63" name="Line 17"/>
+            <p:cNvPr id="345" name="Line 17"/>
             <p:cNvSpPr>
               <a:spLocks noChangeShapeType="1"/>
             </p:cNvSpPr>
@@ -5726,7 +5688,7 @@
           </p:nvSpPr>
           <p:spPr bwMode="auto">
             <a:xfrm>
-              <a:off x="1896885" y="430083"/>
+              <a:off x="3184680" y="430083"/>
               <a:ext cx="191572" cy="0"/>
             </a:xfrm>
             <a:prstGeom prst="line">
@@ -5769,7 +5731,7 @@
         </p:sp>
         <p:sp>
           <p:nvSpPr>
-            <p:cNvPr id="64" name="Line 17"/>
+            <p:cNvPr id="346" name="Line 17"/>
             <p:cNvSpPr>
               <a:spLocks noChangeShapeType="1"/>
             </p:cNvSpPr>
@@ -5777,7 +5739,7 @@
           </p:nvSpPr>
           <p:spPr bwMode="auto">
             <a:xfrm>
-              <a:off x="1897131" y="1006147"/>
+              <a:off x="3184926" y="1006147"/>
               <a:ext cx="191572" cy="0"/>
             </a:xfrm>
             <a:prstGeom prst="line">
@@ -5820,7 +5782,7 @@
         </p:sp>
         <p:sp>
           <p:nvSpPr>
-            <p:cNvPr id="65" name="Line 17"/>
+            <p:cNvPr id="347" name="Line 17"/>
             <p:cNvSpPr>
               <a:spLocks noChangeShapeType="1"/>
             </p:cNvSpPr>
@@ -5828,7 +5790,7 @@
           </p:nvSpPr>
           <p:spPr bwMode="auto">
             <a:xfrm>
-              <a:off x="1448479" y="430083"/>
+              <a:off x="2736274" y="430083"/>
               <a:ext cx="191572" cy="0"/>
             </a:xfrm>
             <a:prstGeom prst="line">
@@ -5871,7 +5833,7 @@
         </p:sp>
         <p:sp>
           <p:nvSpPr>
-            <p:cNvPr id="66" name="Line 17"/>
+            <p:cNvPr id="348" name="Line 17"/>
             <p:cNvSpPr>
               <a:spLocks noChangeShapeType="1"/>
             </p:cNvSpPr>
@@ -5879,7 +5841,7 @@
           </p:nvSpPr>
           <p:spPr bwMode="auto">
             <a:xfrm>
-              <a:off x="1464768" y="992314"/>
+              <a:off x="2752563" y="992314"/>
               <a:ext cx="191572" cy="0"/>
             </a:xfrm>
             <a:prstGeom prst="line">
@@ -5922,7 +5884,7 @@
         </p:sp>
         <p:sp>
           <p:nvSpPr>
-            <p:cNvPr id="67" name="Text Box 56"/>
+            <p:cNvPr id="349" name="Text Box 56"/>
             <p:cNvSpPr txBox="1">
               <a:spLocks noChangeArrowheads="1"/>
             </p:cNvSpPr>
@@ -5930,7 +5892,7 @@
           </p:nvSpPr>
           <p:spPr bwMode="auto">
             <a:xfrm>
-              <a:off x="64281" y="476672"/>
+              <a:off x="1352076" y="476672"/>
               <a:ext cx="1203700" cy="369332"/>
             </a:xfrm>
             <a:prstGeom prst="rect">
@@ -6065,7 +6027,7 @@
             <a:p>
               <a:pPr eaLnBrk="0" hangingPunct="0"/>
               <a:r>
-                <a:rPr lang="en-US" b="1" dirty="0" smtClean="0">
+                <a:rPr lang="en-US" sz="1800" b="1" dirty="0" smtClean="0">
                   <a:solidFill>
                     <a:srgbClr val="009900"/>
                   </a:solidFill>
@@ -6074,7 +6036,7 @@
                 <a:t>E </a:t>
               </a:r>
               <a:r>
-                <a:rPr lang="en-US" b="1" dirty="0">
+                <a:rPr lang="en-US" sz="1800" b="1" dirty="0">
                   <a:solidFill>
                     <a:srgbClr val="009900"/>
                   </a:solidFill>
@@ -6083,7 +6045,7 @@
                 <a:t>(</a:t>
               </a:r>
               <a:r>
-                <a:rPr lang="en-US" b="1" i="1" dirty="0" smtClean="0">
+                <a:rPr lang="en-US" sz="1800" b="1" i="1" dirty="0" smtClean="0">
                   <a:solidFill>
                     <a:srgbClr val="009900"/>
                   </a:solidFill>
@@ -6092,7 +6054,7 @@
                 <a:t>S</a:t>
               </a:r>
               <a:r>
-                <a:rPr lang="en-US" b="1" i="1" baseline="-25000" dirty="0">
+                <a:rPr lang="en-US" sz="1800" b="1" i="1" baseline="-25000" dirty="0">
                   <a:solidFill>
                     <a:srgbClr val="009900"/>
                   </a:solidFill>
@@ -6101,7 +6063,7 @@
                 <a:t>y</a:t>
               </a:r>
               <a:r>
-                <a:rPr lang="en-US" b="1" baseline="30000" dirty="0" smtClean="0">
+                <a:rPr lang="en-US" sz="1800" b="1" baseline="30000" dirty="0" smtClean="0">
                   <a:solidFill>
                     <a:srgbClr val="009900"/>
                   </a:solidFill>
@@ -6110,7 +6072,7 @@
                 <a:t>2</a:t>
               </a:r>
               <a:r>
-                <a:rPr lang="en-US" b="1" dirty="0" smtClean="0">
+                <a:rPr lang="en-US" sz="1800" b="1" dirty="0" smtClean="0">
                   <a:solidFill>
                     <a:srgbClr val="009900"/>
                   </a:solidFill>
@@ -6119,7 +6081,7 @@
                 <a:t> </a:t>
               </a:r>
               <a:r>
-                <a:rPr lang="en-US" b="1" dirty="0">
+                <a:rPr lang="en-US" sz="1800" b="1" dirty="0">
                   <a:solidFill>
                     <a:srgbClr val="009900"/>
                   </a:solidFill>
@@ -6128,7 +6090,7 @@
                 <a:t>- </a:t>
               </a:r>
               <a:r>
-                <a:rPr lang="en-US" b="1" i="1" dirty="0" smtClean="0">
+                <a:rPr lang="en-US" sz="1800" b="1" i="1" dirty="0" smtClean="0">
                   <a:solidFill>
                     <a:srgbClr val="009900"/>
                   </a:solidFill>
@@ -6137,7 +6099,7 @@
                 <a:t>S</a:t>
               </a:r>
               <a:r>
-                <a:rPr lang="en-US" b="1" i="1" baseline="-25000" dirty="0">
+                <a:rPr lang="en-US" sz="1800" b="1" i="1" baseline="-25000" dirty="0">
                   <a:solidFill>
                     <a:srgbClr val="009900"/>
                   </a:solidFill>
@@ -6146,7 +6108,7 @@
                 <a:t>x</a:t>
               </a:r>
               <a:r>
-                <a:rPr lang="en-US" b="1" baseline="30000" dirty="0" smtClean="0">
+                <a:rPr lang="en-US" sz="1800" b="1" baseline="30000" dirty="0" smtClean="0">
                   <a:solidFill>
                     <a:srgbClr val="009900"/>
                   </a:solidFill>
@@ -6155,7 +6117,7 @@
                 <a:t>2</a:t>
               </a:r>
               <a:r>
-                <a:rPr lang="en-US" b="1" dirty="0">
+                <a:rPr lang="en-US" sz="1800" b="1" dirty="0">
                   <a:solidFill>
                     <a:srgbClr val="009900"/>
                   </a:solidFill>
@@ -6170,13 +6132,13 @@
           <mc:Choice Requires="a14">
             <p:sp>
               <p:nvSpPr>
-                <p:cNvPr id="68" name="ZoneTexte 67"/>
+                <p:cNvPr id="350" name="ZoneTexte 349"/>
                 <p:cNvSpPr txBox="1"/>
                 <p:nvPr/>
               </p:nvSpPr>
               <p:spPr>
                 <a:xfrm>
-                  <a:off x="2843808" y="2534193"/>
+                  <a:off x="4131603" y="2534193"/>
                   <a:ext cx="528222" cy="369332"/>
                 </a:xfrm>
                 <a:prstGeom prst="rect">
@@ -6202,7 +6164,7 @@
                             <m:begChr m:val="|"/>
                             <m:endChr m:val=""/>
                             <m:ctrlPr>
-                              <a:rPr lang="fr-FR" i="1" smtClean="0">
+                              <a:rPr lang="fr-FR" sz="1800" i="1" smtClean="0">
                                 <a:solidFill>
                                   <a:srgbClr val="FF0000"/>
                                 </a:solidFill>
@@ -6216,7 +6178,7 @@
                                 <m:begChr m:val=""/>
                                 <m:endChr m:val="⟩"/>
                                 <m:ctrlPr>
-                                  <a:rPr lang="fr-FR" i="1" smtClean="0">
+                                  <a:rPr lang="fr-FR" sz="1800" i="1" smtClean="0">
                                     <a:solidFill>
                                       <a:srgbClr val="FF0000"/>
                                     </a:solidFill>
@@ -6227,7 +6189,7 @@
                               </m:dPr>
                               <m:e>
                                 <m:r>
-                                  <a:rPr lang="fr-FR" i="1" smtClean="0">
+                                  <a:rPr lang="fr-FR" sz="1800" i="1" smtClean="0">
                                     <a:solidFill>
                                       <a:srgbClr val="FF0000"/>
                                     </a:solidFill>
@@ -6243,7 +6205,7 @@
                       </m:oMath>
                     </m:oMathPara>
                   </a14:m>
-                  <a:endParaRPr lang="fr-FR" dirty="0">
+                  <a:endParaRPr lang="fr-FR" sz="1800" dirty="0">
                     <a:solidFill>
                       <a:srgbClr val="FF0000"/>
                     </a:solidFill>
@@ -6255,7 +6217,7 @@
           <mc:Fallback xmlns="">
             <p:sp>
               <p:nvSpPr>
-                <p:cNvPr id="584" name="ZoneTexte 583"/>
+                <p:cNvPr id="350" name="ZoneTexte 349"/>
                 <p:cNvSpPr txBox="1">
                   <a:spLocks noRot="1" noChangeAspect="1" noMove="1" noResize="1" noEditPoints="1" noAdjustHandles="1" noChangeArrowheads="1" noChangeShapeType="1" noTextEdit="1"/>
                 </p:cNvSpPr>
@@ -6263,16 +6225,16 @@
               </p:nvSpPr>
               <p:spPr>
                 <a:xfrm>
-                  <a:off x="2843808" y="2534193"/>
+                  <a:off x="4131603" y="2534193"/>
                   <a:ext cx="528222" cy="369332"/>
                 </a:xfrm>
                 <a:prstGeom prst="rect">
                   <a:avLst/>
                 </a:prstGeom>
                 <a:blipFill rotWithShape="1">
-                  <a:blip r:embed="rId3"/>
+                  <a:blip r:embed="rId2"/>
                   <a:stretch>
-                    <a:fillRect l="-51163" t="-110000" r="-77907" b="-165000"/>
+                    <a:fillRect l="-57471" t="-121667" r="-89655" b="-188333"/>
                   </a:stretch>
                 </a:blipFill>
               </p:spPr>
@@ -6295,13 +6257,13 @@
           <mc:Choice Requires="a14">
             <p:sp>
               <p:nvSpPr>
-                <p:cNvPr id="69" name="ZoneTexte 68"/>
+                <p:cNvPr id="351" name="ZoneTexte 350"/>
                 <p:cNvSpPr txBox="1"/>
                 <p:nvPr/>
               </p:nvSpPr>
               <p:spPr>
                 <a:xfrm>
-                  <a:off x="227354" y="2555612"/>
+                  <a:off x="1515149" y="2555612"/>
                   <a:ext cx="528222" cy="369332"/>
                 </a:xfrm>
                 <a:prstGeom prst="rect">
@@ -6327,7 +6289,7 @@
                             <m:begChr m:val="|"/>
                             <m:endChr m:val=""/>
                             <m:ctrlPr>
-                              <a:rPr lang="fr-FR" i="1" smtClean="0">
+                              <a:rPr lang="fr-FR" sz="1800" i="1" smtClean="0">
                                 <a:solidFill>
                                   <a:srgbClr val="0066FF"/>
                                 </a:solidFill>
@@ -6341,7 +6303,7 @@
                                 <m:begChr m:val=""/>
                                 <m:endChr m:val="⟩"/>
                                 <m:ctrlPr>
-                                  <a:rPr lang="fr-FR" i="1" smtClean="0">
+                                  <a:rPr lang="fr-FR" sz="1800" i="1" smtClean="0">
                                     <a:solidFill>
                                       <a:srgbClr val="0066FF"/>
                                     </a:solidFill>
@@ -6352,7 +6314,7 @@
                               </m:dPr>
                               <m:e>
                                 <m:r>
-                                  <a:rPr lang="fr-FR" i="1">
+                                  <a:rPr lang="fr-FR" sz="1800" i="1">
                                     <a:solidFill>
                                       <a:srgbClr val="0066FF"/>
                                     </a:solidFill>
@@ -6368,7 +6330,7 @@
                       </m:oMath>
                     </m:oMathPara>
                   </a14:m>
-                  <a:endParaRPr lang="fr-FR" dirty="0">
+                  <a:endParaRPr lang="fr-FR" sz="1800" dirty="0">
                     <a:solidFill>
                       <a:srgbClr val="0066FF"/>
                     </a:solidFill>
@@ -6380,7 +6342,7 @@
           <mc:Fallback xmlns="">
             <p:sp>
               <p:nvSpPr>
-                <p:cNvPr id="585" name="ZoneTexte 584"/>
+                <p:cNvPr id="351" name="ZoneTexte 350"/>
                 <p:cNvSpPr txBox="1">
                   <a:spLocks noRot="1" noChangeAspect="1" noMove="1" noResize="1" noEditPoints="1" noAdjustHandles="1" noChangeArrowheads="1" noChangeShapeType="1" noTextEdit="1"/>
                 </p:cNvSpPr>
@@ -6388,16 +6350,16 @@
               </p:nvSpPr>
               <p:spPr>
                 <a:xfrm>
-                  <a:off x="227354" y="2555612"/>
+                  <a:off x="1515149" y="2555612"/>
                   <a:ext cx="528222" cy="369332"/>
                 </a:xfrm>
                 <a:prstGeom prst="rect">
                   <a:avLst/>
                 </a:prstGeom>
                 <a:blipFill rotWithShape="1">
-                  <a:blip r:embed="rId4"/>
+                  <a:blip r:embed="rId3"/>
                   <a:stretch>
-                    <a:fillRect l="-51163" t="-108197" r="-77907" b="-160656"/>
+                    <a:fillRect l="-57471" t="-119672" r="-89655" b="-183607"/>
                   </a:stretch>
                 </a:blipFill>
               </p:spPr>
@@ -6416,101 +6378,177 @@
             </p:sp>
           </mc:Fallback>
         </mc:AlternateContent>
+        <p:sp>
+          <p:nvSpPr>
+            <p:cNvPr id="352" name="Forme libre 351"/>
+            <p:cNvSpPr/>
+            <p:nvPr/>
+          </p:nvSpPr>
+          <p:spPr>
+            <a:xfrm>
+              <a:off x="2843808" y="257892"/>
+              <a:ext cx="466190" cy="146772"/>
+            </a:xfrm>
+            <a:custGeom>
+              <a:avLst/>
+              <a:gdLst>
+                <a:gd name="connsiteX0" fmla="*/ 0 w 952500"/>
+                <a:gd name="connsiteY0" fmla="*/ 361955 h 361955"/>
+                <a:gd name="connsiteX1" fmla="*/ 495300 w 952500"/>
+                <a:gd name="connsiteY1" fmla="*/ 5 h 361955"/>
+                <a:gd name="connsiteX2" fmla="*/ 952500 w 952500"/>
+                <a:gd name="connsiteY2" fmla="*/ 352430 h 361955"/>
+                <a:gd name="connsiteX3" fmla="*/ 952500 w 952500"/>
+                <a:gd name="connsiteY3" fmla="*/ 352430 h 361955"/>
+              </a:gdLst>
+              <a:ahLst/>
+              <a:cxnLst>
+                <a:cxn ang="0">
+                  <a:pos x="connsiteX0" y="connsiteY0"/>
+                </a:cxn>
+                <a:cxn ang="0">
+                  <a:pos x="connsiteX1" y="connsiteY1"/>
+                </a:cxn>
+                <a:cxn ang="0">
+                  <a:pos x="connsiteX2" y="connsiteY2"/>
+                </a:cxn>
+                <a:cxn ang="0">
+                  <a:pos x="connsiteX3" y="connsiteY3"/>
+                </a:cxn>
+              </a:cxnLst>
+              <a:rect l="l" t="t" r="r" b="b"/>
+              <a:pathLst>
+                <a:path w="952500" h="361955">
+                  <a:moveTo>
+                    <a:pt x="0" y="361955"/>
+                  </a:moveTo>
+                  <a:cubicBezTo>
+                    <a:pt x="168275" y="181773"/>
+                    <a:pt x="336550" y="1592"/>
+                    <a:pt x="495300" y="5"/>
+                  </a:cubicBezTo>
+                  <a:cubicBezTo>
+                    <a:pt x="654050" y="-1582"/>
+                    <a:pt x="952500" y="352430"/>
+                    <a:pt x="952500" y="352430"/>
+                  </a:cubicBezTo>
+                  <a:lnTo>
+                    <a:pt x="952500" y="352430"/>
+                  </a:lnTo>
+                </a:path>
+              </a:pathLst>
+            </a:custGeom>
+            <a:noFill/>
+            <a:ln w="19050">
+              <a:solidFill>
+                <a:srgbClr val="00B050"/>
+              </a:solidFill>
+              <a:headEnd type="arrow" w="med" len="med"/>
+              <a:tailEnd type="arrow" w="med" len="med"/>
+            </a:ln>
+          </p:spPr>
+          <p:style>
+            <a:lnRef idx="2">
+              <a:schemeClr val="accent1">
+                <a:shade val="50000"/>
+              </a:schemeClr>
+            </a:lnRef>
+            <a:fillRef idx="1">
+              <a:schemeClr val="accent1"/>
+            </a:fillRef>
+            <a:effectRef idx="0">
+              <a:schemeClr val="accent1"/>
+            </a:effectRef>
+            <a:fontRef idx="minor">
+              <a:schemeClr val="lt1"/>
+            </a:fontRef>
+          </p:style>
+          <p:txBody>
+            <a:bodyPr rtlCol="0" anchor="ctr"/>
+            <a:lstStyle/>
+            <a:p>
+              <a:pPr algn="ctr"/>
+              <a:endParaRPr lang="en-US"/>
+            </a:p>
+          </p:txBody>
+        </p:sp>
+        <p:cxnSp>
+          <p:nvCxnSpPr>
+            <p:cNvPr id="353" name="Connecteur droit avec flèche 352"/>
+            <p:cNvCxnSpPr>
+              <a:stCxn id="333" idx="0"/>
+            </p:cNvCxnSpPr>
+            <p:nvPr/>
+          </p:nvCxnSpPr>
+          <p:spPr>
+            <a:xfrm flipH="1" flipV="1">
+              <a:off x="2835334" y="1008037"/>
+              <a:ext cx="235840" cy="2222176"/>
+            </a:xfrm>
+            <a:prstGeom prst="straightConnector1">
+              <a:avLst/>
+            </a:prstGeom>
+            <a:ln w="19050">
+              <a:solidFill>
+                <a:srgbClr val="FF0000"/>
+              </a:solidFill>
+              <a:headEnd type="arrow" w="med" len="med"/>
+              <a:tailEnd type="none" w="med" len="med"/>
+            </a:ln>
+          </p:spPr>
+          <p:style>
+            <a:lnRef idx="1">
+              <a:schemeClr val="accent1"/>
+            </a:lnRef>
+            <a:fillRef idx="0">
+              <a:schemeClr val="accent1"/>
+            </a:fillRef>
+            <a:effectRef idx="0">
+              <a:schemeClr val="accent1"/>
+            </a:effectRef>
+            <a:fontRef idx="minor">
+              <a:schemeClr val="tx1"/>
+            </a:fontRef>
+          </p:style>
+        </p:cxnSp>
+        <p:cxnSp>
+          <p:nvCxnSpPr>
+            <p:cNvPr id="354" name="Connecteur droit avec flèche 353"/>
+            <p:cNvCxnSpPr/>
+            <p:nvPr/>
+          </p:nvCxnSpPr>
+          <p:spPr>
+            <a:xfrm flipV="1">
+              <a:off x="3067469" y="1012145"/>
+              <a:ext cx="221009" cy="2210083"/>
+            </a:xfrm>
+            <a:prstGeom prst="straightConnector1">
+              <a:avLst/>
+            </a:prstGeom>
+            <a:ln w="19050">
+              <a:solidFill>
+                <a:srgbClr val="0070C0"/>
+              </a:solidFill>
+              <a:headEnd type="arrow" w="med" len="med"/>
+              <a:tailEnd type="none" w="med" len="med"/>
+            </a:ln>
+          </p:spPr>
+          <p:style>
+            <a:lnRef idx="1">
+              <a:schemeClr val="accent1"/>
+            </a:lnRef>
+            <a:fillRef idx="0">
+              <a:schemeClr val="accent1"/>
+            </a:fillRef>
+            <a:effectRef idx="0">
+              <a:schemeClr val="accent1"/>
+            </a:effectRef>
+            <a:fontRef idx="minor">
+              <a:schemeClr val="tx1"/>
+            </a:fontRef>
+          </p:style>
+        </p:cxnSp>
       </p:grpSp>
-      <p:sp>
-        <p:nvSpPr>
-          <p:cNvPr id="70" name="Forme libre 69"/>
-          <p:cNvSpPr/>
-          <p:nvPr/>
-        </p:nvSpPr>
-        <p:spPr>
-          <a:xfrm>
-            <a:off x="2843808" y="257892"/>
-            <a:ext cx="466190" cy="146772"/>
-          </a:xfrm>
-          <a:custGeom>
-            <a:avLst/>
-            <a:gdLst>
-              <a:gd name="connsiteX0" fmla="*/ 0 w 952500"/>
-              <a:gd name="connsiteY0" fmla="*/ 361955 h 361955"/>
-              <a:gd name="connsiteX1" fmla="*/ 495300 w 952500"/>
-              <a:gd name="connsiteY1" fmla="*/ 5 h 361955"/>
-              <a:gd name="connsiteX2" fmla="*/ 952500 w 952500"/>
-              <a:gd name="connsiteY2" fmla="*/ 352430 h 361955"/>
-              <a:gd name="connsiteX3" fmla="*/ 952500 w 952500"/>
-              <a:gd name="connsiteY3" fmla="*/ 352430 h 361955"/>
-            </a:gdLst>
-            <a:ahLst/>
-            <a:cxnLst>
-              <a:cxn ang="0">
-                <a:pos x="connsiteX0" y="connsiteY0"/>
-              </a:cxn>
-              <a:cxn ang="0">
-                <a:pos x="connsiteX1" y="connsiteY1"/>
-              </a:cxn>
-              <a:cxn ang="0">
-                <a:pos x="connsiteX2" y="connsiteY2"/>
-              </a:cxn>
-              <a:cxn ang="0">
-                <a:pos x="connsiteX3" y="connsiteY3"/>
-              </a:cxn>
-            </a:cxnLst>
-            <a:rect l="l" t="t" r="r" b="b"/>
-            <a:pathLst>
-              <a:path w="952500" h="361955">
-                <a:moveTo>
-                  <a:pt x="0" y="361955"/>
-                </a:moveTo>
-                <a:cubicBezTo>
-                  <a:pt x="168275" y="181773"/>
-                  <a:pt x="336550" y="1592"/>
-                  <a:pt x="495300" y="5"/>
-                </a:cubicBezTo>
-                <a:cubicBezTo>
-                  <a:pt x="654050" y="-1582"/>
-                  <a:pt x="952500" y="352430"/>
-                  <a:pt x="952500" y="352430"/>
-                </a:cubicBezTo>
-                <a:lnTo>
-                  <a:pt x="952500" y="352430"/>
-                </a:lnTo>
-              </a:path>
-            </a:pathLst>
-          </a:custGeom>
-          <a:noFill/>
-          <a:ln w="19050">
-            <a:solidFill>
-              <a:srgbClr val="00B050"/>
-            </a:solidFill>
-            <a:headEnd type="arrow" w="med" len="med"/>
-            <a:tailEnd type="arrow" w="med" len="med"/>
-          </a:ln>
-        </p:spPr>
-        <p:style>
-          <a:lnRef idx="2">
-            <a:schemeClr val="accent1">
-              <a:shade val="50000"/>
-            </a:schemeClr>
-          </a:lnRef>
-          <a:fillRef idx="1">
-            <a:schemeClr val="accent1"/>
-          </a:fillRef>
-          <a:effectRef idx="0">
-            <a:schemeClr val="accent1"/>
-          </a:effectRef>
-          <a:fontRef idx="minor">
-            <a:schemeClr val="lt1"/>
-          </a:fontRef>
-        </p:style>
-        <p:txBody>
-          <a:bodyPr rtlCol="0" anchor="ctr"/>
-          <a:lstStyle/>
-          <a:p>
-            <a:pPr algn="ctr"/>
-            <a:endParaRPr lang="en-US"/>
-          </a:p>
-        </p:txBody>
-      </p:sp>
     </p:spTree>
     <p:extLst>
       <p:ext uri="{BB962C8B-B14F-4D97-AF65-F5344CB8AC3E}">

--- a/03-h-Mn/Pictures/SpinStructE.pptx
+++ b/03-h-Mn/Pictures/SpinStructE.pptx
@@ -288,7 +288,7 @@
           <a:p>
             <a:fld id="{E33565EF-4A01-45A7-A583-43ECF94838BA}" type="datetimeFigureOut">
               <a:rPr lang="fr-FR" smtClean="0"/>
-              <a:t>12/07/2017</a:t>
+              <a:t>13/07/2017</a:t>
             </a:fld>
             <a:endParaRPr lang="fr-FR"/>
           </a:p>
@@ -458,7 +458,7 @@
           <a:p>
             <a:fld id="{E33565EF-4A01-45A7-A583-43ECF94838BA}" type="datetimeFigureOut">
               <a:rPr lang="fr-FR" smtClean="0"/>
-              <a:t>12/07/2017</a:t>
+              <a:t>13/07/2017</a:t>
             </a:fld>
             <a:endParaRPr lang="fr-FR"/>
           </a:p>
@@ -638,7 +638,7 @@
           <a:p>
             <a:fld id="{E33565EF-4A01-45A7-A583-43ECF94838BA}" type="datetimeFigureOut">
               <a:rPr lang="fr-FR" smtClean="0"/>
-              <a:t>12/07/2017</a:t>
+              <a:t>13/07/2017</a:t>
             </a:fld>
             <a:endParaRPr lang="fr-FR"/>
           </a:p>
@@ -808,7 +808,7 @@
           <a:p>
             <a:fld id="{E33565EF-4A01-45A7-A583-43ECF94838BA}" type="datetimeFigureOut">
               <a:rPr lang="fr-FR" smtClean="0"/>
-              <a:t>12/07/2017</a:t>
+              <a:t>13/07/2017</a:t>
             </a:fld>
             <a:endParaRPr lang="fr-FR"/>
           </a:p>
@@ -1054,7 +1054,7 @@
           <a:p>
             <a:fld id="{E33565EF-4A01-45A7-A583-43ECF94838BA}" type="datetimeFigureOut">
               <a:rPr lang="fr-FR" smtClean="0"/>
-              <a:t>12/07/2017</a:t>
+              <a:t>13/07/2017</a:t>
             </a:fld>
             <a:endParaRPr lang="fr-FR"/>
           </a:p>
@@ -1342,7 +1342,7 @@
           <a:p>
             <a:fld id="{E33565EF-4A01-45A7-A583-43ECF94838BA}" type="datetimeFigureOut">
               <a:rPr lang="fr-FR" smtClean="0"/>
-              <a:t>12/07/2017</a:t>
+              <a:t>13/07/2017</a:t>
             </a:fld>
             <a:endParaRPr lang="fr-FR"/>
           </a:p>
@@ -1764,7 +1764,7 @@
           <a:p>
             <a:fld id="{E33565EF-4A01-45A7-A583-43ECF94838BA}" type="datetimeFigureOut">
               <a:rPr lang="fr-FR" smtClean="0"/>
-              <a:t>12/07/2017</a:t>
+              <a:t>13/07/2017</a:t>
             </a:fld>
             <a:endParaRPr lang="fr-FR"/>
           </a:p>
@@ -1882,7 +1882,7 @@
           <a:p>
             <a:fld id="{E33565EF-4A01-45A7-A583-43ECF94838BA}" type="datetimeFigureOut">
               <a:rPr lang="fr-FR" smtClean="0"/>
-              <a:t>12/07/2017</a:t>
+              <a:t>13/07/2017</a:t>
             </a:fld>
             <a:endParaRPr lang="fr-FR"/>
           </a:p>
@@ -1977,7 +1977,7 @@
           <a:p>
             <a:fld id="{E33565EF-4A01-45A7-A583-43ECF94838BA}" type="datetimeFigureOut">
               <a:rPr lang="fr-FR" smtClean="0"/>
-              <a:t>12/07/2017</a:t>
+              <a:t>13/07/2017</a:t>
             </a:fld>
             <a:endParaRPr lang="fr-FR"/>
           </a:p>
@@ -2254,7 +2254,7 @@
           <a:p>
             <a:fld id="{E33565EF-4A01-45A7-A583-43ECF94838BA}" type="datetimeFigureOut">
               <a:rPr lang="fr-FR" smtClean="0"/>
-              <a:t>12/07/2017</a:t>
+              <a:t>13/07/2017</a:t>
             </a:fld>
             <a:endParaRPr lang="fr-FR"/>
           </a:p>
@@ -2507,7 +2507,7 @@
           <a:p>
             <a:fld id="{E33565EF-4A01-45A7-A583-43ECF94838BA}" type="datetimeFigureOut">
               <a:rPr lang="fr-FR" smtClean="0"/>
-              <a:t>12/07/2017</a:t>
+              <a:t>13/07/2017</a:t>
             </a:fld>
             <a:endParaRPr lang="fr-FR"/>
           </a:p>
@@ -2720,7 +2720,7 @@
           <a:p>
             <a:fld id="{E33565EF-4A01-45A7-A583-43ECF94838BA}" type="datetimeFigureOut">
               <a:rPr lang="fr-FR" smtClean="0"/>
-              <a:t>12/07/2017</a:t>
+              <a:t>13/07/2017</a:t>
             </a:fld>
             <a:endParaRPr lang="fr-FR"/>
           </a:p>
@@ -6060,7 +6060,7 @@
                   </a:solidFill>
                   <a:latin typeface="Monotype Corsiva" panose="03010101010201010101" pitchFamily="66" charset="0"/>
                 </a:rPr>
-                <a:t>y</a:t>
+                <a:t>x</a:t>
               </a:r>
               <a:r>
                 <a:rPr lang="en-US" sz="1800" b="1" baseline="30000" dirty="0" smtClean="0">
@@ -6105,7 +6105,7 @@
                   </a:solidFill>
                   <a:latin typeface="Monotype Corsiva" panose="03010101010201010101" pitchFamily="66" charset="0"/>
                 </a:rPr>
-                <a:t>x</a:t>
+                <a:t>y</a:t>
               </a:r>
               <a:r>
                 <a:rPr lang="en-US" sz="1800" b="1" baseline="30000" dirty="0" smtClean="0">
